--- a/MEC.pptx
+++ b/MEC.pptx
@@ -5,13 +5,21 @@
     <p:sldMasterId id="2147483660" r:id="rId1"/>
   </p:sldMasterIdLst>
   <p:notesMasterIdLst>
-    <p:notesMasterId r:id="rId6"/>
+    <p:notesMasterId r:id="rId14"/>
   </p:notesMasterIdLst>
   <p:sldIdLst>
     <p:sldId id="256" r:id="rId2"/>
     <p:sldId id="257" r:id="rId3"/>
     <p:sldId id="258" r:id="rId4"/>
     <p:sldId id="259" r:id="rId5"/>
+    <p:sldId id="260" r:id="rId6"/>
+    <p:sldId id="261" r:id="rId7"/>
+    <p:sldId id="262" r:id="rId8"/>
+    <p:sldId id="263" r:id="rId9"/>
+    <p:sldId id="264" r:id="rId10"/>
+    <p:sldId id="265" r:id="rId11"/>
+    <p:sldId id="266" r:id="rId12"/>
+    <p:sldId id="267" r:id="rId13"/>
   </p:sldIdLst>
   <p:sldSz cx="12192000" cy="6858000"/>
   <p:notesSz cx="6858000" cy="9144000"/>
@@ -110,6 +118,11 @@
       </a:defRPr>
     </a:lvl9pPr>
   </p:defaultTextStyle>
+  <p:extLst>
+    <p:ext uri="{EFAFB233-063F-42B5-8137-9DF3F51BA10A}">
+      <p15:sldGuideLst xmlns:p15="http://schemas.microsoft.com/office/powerpoint/2012/main"/>
+    </p:ext>
+  </p:extLst>
 </p:presentation>
 </file>
 
@@ -13692,6 +13705,13 @@
                 <a:cs typeface="Times New Roman" panose="02020603050405020304" pitchFamily="18" charset="0"/>
               </a:rPr>
             </a:br>
+            <a:r>
+              <a:rPr lang="en-US" dirty="0">
+                <a:latin typeface="Times New Roman" panose="02020603050405020304" pitchFamily="18" charset="0"/>
+                <a:cs typeface="Times New Roman" panose="02020603050405020304" pitchFamily="18" charset="0"/>
+              </a:rPr>
+              <a:t/>
+            </a:r>
             <a:br>
               <a:rPr lang="en-US" dirty="0">
                 <a:latin typeface="Times New Roman" panose="02020603050405020304" pitchFamily="18" charset="0"/>
@@ -13771,6 +13791,347 @@
     <p:extLst>
       <p:ext uri="{BB962C8B-B14F-4D97-AF65-F5344CB8AC3E}">
         <p14:creationId xmlns:p14="http://schemas.microsoft.com/office/powerpoint/2010/main" val="1527442034"/>
+      </p:ext>
+    </p:extLst>
+  </p:cSld>
+  <p:clrMapOvr>
+    <a:masterClrMapping/>
+  </p:clrMapOvr>
+</p:sld>
+</file>
+
+<file path=ppt/slides/slide10.xml><?xml version="1.0" encoding="utf-8"?>
+<p:sld xmlns:a="http://schemas.openxmlformats.org/drawingml/2006/main" xmlns:r="http://schemas.openxmlformats.org/officeDocument/2006/relationships" xmlns:p="http://schemas.openxmlformats.org/presentationml/2006/main">
+  <p:cSld>
+    <p:spTree>
+      <p:nvGrpSpPr>
+        <p:cNvPr id="1" name=""/>
+        <p:cNvGrpSpPr/>
+        <p:nvPr/>
+      </p:nvGrpSpPr>
+      <p:grpSpPr>
+        <a:xfrm>
+          <a:off x="0" y="0"/>
+          <a:ext cx="0" cy="0"/>
+          <a:chOff x="0" y="0"/>
+          <a:chExt cx="0" cy="0"/>
+        </a:xfrm>
+      </p:grpSpPr>
+      <p:sp>
+        <p:nvSpPr>
+          <p:cNvPr id="2" name="Title 1"/>
+          <p:cNvSpPr>
+            <a:spLocks noGrp="1"/>
+          </p:cNvSpPr>
+          <p:nvPr>
+            <p:ph type="title"/>
+          </p:nvPr>
+        </p:nvSpPr>
+        <p:spPr/>
+        <p:txBody>
+          <a:bodyPr/>
+          <a:lstStyle/>
+          <a:p>
+            <a:r>
+              <a:rPr lang="en-US" dirty="0" smtClean="0"/>
+              <a:t>MEC in O-RAN</a:t>
+            </a:r>
+            <a:endParaRPr lang="en-US" dirty="0"/>
+          </a:p>
+        </p:txBody>
+      </p:sp>
+      <p:pic>
+        <p:nvPicPr>
+          <p:cNvPr id="5" name="Content Placeholder 4"/>
+          <p:cNvPicPr>
+            <a:picLocks noGrp="1" noChangeAspect="1"/>
+          </p:cNvPicPr>
+          <p:nvPr>
+            <p:ph idx="1"/>
+          </p:nvPr>
+        </p:nvPicPr>
+        <p:blipFill>
+          <a:blip r:embed="rId2"/>
+          <a:stretch>
+            <a:fillRect/>
+          </a:stretch>
+        </p:blipFill>
+        <p:spPr>
+          <a:xfrm>
+            <a:off x="2259874" y="2551248"/>
+            <a:ext cx="6666436" cy="3822090"/>
+          </a:xfrm>
+          <a:prstGeom prst="rect">
+            <a:avLst/>
+          </a:prstGeom>
+        </p:spPr>
+      </p:pic>
+      <p:sp>
+        <p:nvSpPr>
+          <p:cNvPr id="4" name="Slide Number Placeholder 3"/>
+          <p:cNvSpPr>
+            <a:spLocks noGrp="1"/>
+          </p:cNvSpPr>
+          <p:nvPr>
+            <p:ph type="sldNum" sz="quarter" idx="12"/>
+          </p:nvPr>
+        </p:nvSpPr>
+        <p:spPr/>
+        <p:txBody>
+          <a:bodyPr/>
+          <a:lstStyle/>
+          <a:p>
+            <a:fld id="{578025A5-B869-46FF-95AC-69EC79E0F0A5}" type="slidenum">
+              <a:rPr lang="en-US" smtClean="0"/>
+              <a:pPr/>
+              <a:t>10</a:t>
+            </a:fld>
+            <a:endParaRPr lang="en-US" dirty="0">
+              <a:latin typeface="Times New Roman" panose="02020603050405020304" pitchFamily="18" charset="0"/>
+              <a:cs typeface="Times New Roman" panose="02020603050405020304" pitchFamily="18" charset="0"/>
+            </a:endParaRPr>
+          </a:p>
+        </p:txBody>
+      </p:sp>
+    </p:spTree>
+    <p:extLst>
+      <p:ext uri="{BB962C8B-B14F-4D97-AF65-F5344CB8AC3E}">
+        <p14:creationId xmlns:p14="http://schemas.microsoft.com/office/powerpoint/2010/main" val="3441613405"/>
+      </p:ext>
+    </p:extLst>
+  </p:cSld>
+  <p:clrMapOvr>
+    <a:masterClrMapping/>
+  </p:clrMapOvr>
+</p:sld>
+</file>
+
+<file path=ppt/slides/slide11.xml><?xml version="1.0" encoding="utf-8"?>
+<p:sld xmlns:a="http://schemas.openxmlformats.org/drawingml/2006/main" xmlns:r="http://schemas.openxmlformats.org/officeDocument/2006/relationships" xmlns:p="http://schemas.openxmlformats.org/presentationml/2006/main">
+  <p:cSld>
+    <p:spTree>
+      <p:nvGrpSpPr>
+        <p:cNvPr id="1" name=""/>
+        <p:cNvGrpSpPr/>
+        <p:nvPr/>
+      </p:nvGrpSpPr>
+      <p:grpSpPr>
+        <a:xfrm>
+          <a:off x="0" y="0"/>
+          <a:ext cx="0" cy="0"/>
+          <a:chOff x="0" y="0"/>
+          <a:chExt cx="0" cy="0"/>
+        </a:xfrm>
+      </p:grpSpPr>
+      <p:sp>
+        <p:nvSpPr>
+          <p:cNvPr id="2" name="Title 1"/>
+          <p:cNvSpPr>
+            <a:spLocks noGrp="1"/>
+          </p:cNvSpPr>
+          <p:nvPr>
+            <p:ph type="title"/>
+          </p:nvPr>
+        </p:nvSpPr>
+        <p:spPr/>
+        <p:txBody>
+          <a:bodyPr/>
+          <a:lstStyle/>
+          <a:p>
+            <a:r>
+              <a:rPr lang="en-US" dirty="0"/>
+              <a:t>MEC in O-RAN</a:t>
+            </a:r>
+          </a:p>
+        </p:txBody>
+      </p:sp>
+      <p:sp>
+        <p:nvSpPr>
+          <p:cNvPr id="3" name="Content Placeholder 2"/>
+          <p:cNvSpPr>
+            <a:spLocks noGrp="1"/>
+          </p:cNvSpPr>
+          <p:nvPr>
+            <p:ph idx="1"/>
+          </p:nvPr>
+        </p:nvSpPr>
+        <p:spPr>
+          <a:xfrm>
+            <a:off x="1403148" y="2495006"/>
+            <a:ext cx="9478212" cy="3694611"/>
+          </a:xfrm>
+        </p:spPr>
+        <p:txBody>
+          <a:bodyPr>
+            <a:normAutofit/>
+          </a:bodyPr>
+          <a:lstStyle/>
+          <a:p>
+            <a:r>
+              <a:rPr lang="en-US" dirty="0"/>
+              <a:t>In this section we detail the different components needed for realizing the MEC solution over the </a:t>
+            </a:r>
+            <a:r>
+              <a:rPr lang="en-US" dirty="0" err="1"/>
+              <a:t>fronthaul</a:t>
+            </a:r>
+            <a:r>
+              <a:rPr lang="en-US" dirty="0"/>
+              <a:t> interface. We use as our starting point the F1oIP implementation of the CU/DU split, detailed in </a:t>
+            </a:r>
+            <a:r>
+              <a:rPr lang="en-US" dirty="0" smtClean="0"/>
+              <a:t> </a:t>
+            </a:r>
+            <a:r>
+              <a:rPr lang="en-US" dirty="0"/>
+              <a:t>and extend it accordingly in order to enable the MEC operation. The implementation is introducing a new signaling mode between the PDCP and RLC layers, resembling the F1AP standardized interface for the communication between CUs and DUs. Originally, F1AP is handling data plane packets over GTP tunnels, established for each served UE of the system. The F1oIP implementation is using UDP/TCP interfaces in order to exchange the traffic between the CUs and DUs, including also some signaling information on the packet headers that is ordinarily exchanged between the PDCP and RLC layers (e.g. DRB/SRB allocation, frame/</a:t>
+            </a:r>
+            <a:r>
+              <a:rPr lang="en-US" dirty="0" err="1"/>
+              <a:t>subframe</a:t>
+            </a:r>
+            <a:r>
+              <a:rPr lang="en-US" dirty="0"/>
+              <a:t> scheduling, protocol context, etc.). The following sections describe the new packet headers that are introduced over the F1oIP interface, and how they allow applications directly connected to the </a:t>
+            </a:r>
+            <a:r>
+              <a:rPr lang="en-US" dirty="0" err="1"/>
+              <a:t>fronthaul</a:t>
+            </a:r>
+            <a:r>
+              <a:rPr lang="en-US" dirty="0"/>
+              <a:t> interface handle data-plane user-directed traffic.</a:t>
+            </a:r>
+          </a:p>
+        </p:txBody>
+      </p:sp>
+      <p:sp>
+        <p:nvSpPr>
+          <p:cNvPr id="4" name="Slide Number Placeholder 3"/>
+          <p:cNvSpPr>
+            <a:spLocks noGrp="1"/>
+          </p:cNvSpPr>
+          <p:nvPr>
+            <p:ph type="sldNum" sz="quarter" idx="12"/>
+          </p:nvPr>
+        </p:nvSpPr>
+        <p:spPr/>
+        <p:txBody>
+          <a:bodyPr/>
+          <a:lstStyle/>
+          <a:p>
+            <a:fld id="{578025A5-B869-46FF-95AC-69EC79E0F0A5}" type="slidenum">
+              <a:rPr lang="en-US" smtClean="0"/>
+              <a:pPr/>
+              <a:t>11</a:t>
+            </a:fld>
+            <a:endParaRPr lang="en-US" dirty="0">
+              <a:latin typeface="Times New Roman" panose="02020603050405020304" pitchFamily="18" charset="0"/>
+              <a:cs typeface="Times New Roman" panose="02020603050405020304" pitchFamily="18" charset="0"/>
+            </a:endParaRPr>
+          </a:p>
+        </p:txBody>
+      </p:sp>
+    </p:spTree>
+    <p:extLst>
+      <p:ext uri="{BB962C8B-B14F-4D97-AF65-F5344CB8AC3E}">
+        <p14:creationId xmlns:p14="http://schemas.microsoft.com/office/powerpoint/2010/main" val="489218409"/>
+      </p:ext>
+    </p:extLst>
+  </p:cSld>
+  <p:clrMapOvr>
+    <a:masterClrMapping/>
+  </p:clrMapOvr>
+</p:sld>
+</file>
+
+<file path=ppt/slides/slide12.xml><?xml version="1.0" encoding="utf-8"?>
+<p:sld xmlns:a="http://schemas.openxmlformats.org/drawingml/2006/main" xmlns:r="http://schemas.openxmlformats.org/officeDocument/2006/relationships" xmlns:p="http://schemas.openxmlformats.org/presentationml/2006/main">
+  <p:cSld>
+    <p:spTree>
+      <p:nvGrpSpPr>
+        <p:cNvPr id="1" name=""/>
+        <p:cNvGrpSpPr/>
+        <p:nvPr/>
+      </p:nvGrpSpPr>
+      <p:grpSpPr>
+        <a:xfrm>
+          <a:off x="0" y="0"/>
+          <a:ext cx="0" cy="0"/>
+          <a:chOff x="0" y="0"/>
+          <a:chExt cx="0" cy="0"/>
+        </a:xfrm>
+      </p:grpSpPr>
+      <p:sp>
+        <p:nvSpPr>
+          <p:cNvPr id="2" name="Title 1"/>
+          <p:cNvSpPr>
+            <a:spLocks noGrp="1"/>
+          </p:cNvSpPr>
+          <p:nvPr>
+            <p:ph type="title"/>
+          </p:nvPr>
+        </p:nvSpPr>
+        <p:spPr/>
+        <p:txBody>
+          <a:bodyPr/>
+          <a:lstStyle/>
+          <a:p>
+            <a:endParaRPr lang="en-US"/>
+          </a:p>
+        </p:txBody>
+      </p:sp>
+      <p:sp>
+        <p:nvSpPr>
+          <p:cNvPr id="3" name="Content Placeholder 2"/>
+          <p:cNvSpPr>
+            <a:spLocks noGrp="1"/>
+          </p:cNvSpPr>
+          <p:nvPr>
+            <p:ph idx="1"/>
+          </p:nvPr>
+        </p:nvSpPr>
+        <p:spPr/>
+        <p:txBody>
+          <a:bodyPr/>
+          <a:lstStyle/>
+          <a:p>
+            <a:endParaRPr lang="en-US"/>
+          </a:p>
+        </p:txBody>
+      </p:sp>
+      <p:sp>
+        <p:nvSpPr>
+          <p:cNvPr id="4" name="Slide Number Placeholder 3"/>
+          <p:cNvSpPr>
+            <a:spLocks noGrp="1"/>
+          </p:cNvSpPr>
+          <p:nvPr>
+            <p:ph type="sldNum" sz="quarter" idx="12"/>
+          </p:nvPr>
+        </p:nvSpPr>
+        <p:spPr/>
+        <p:txBody>
+          <a:bodyPr/>
+          <a:lstStyle/>
+          <a:p>
+            <a:fld id="{578025A5-B869-46FF-95AC-69EC79E0F0A5}" type="slidenum">
+              <a:rPr lang="en-US" smtClean="0"/>
+              <a:pPr/>
+              <a:t>12</a:t>
+            </a:fld>
+            <a:endParaRPr lang="en-US" dirty="0">
+              <a:latin typeface="Times New Roman" panose="02020603050405020304" pitchFamily="18" charset="0"/>
+              <a:cs typeface="Times New Roman" panose="02020603050405020304" pitchFamily="18" charset="0"/>
+            </a:endParaRPr>
+          </a:p>
+        </p:txBody>
+      </p:sp>
+    </p:spTree>
+    <p:extLst>
+      <p:ext uri="{BB962C8B-B14F-4D97-AF65-F5344CB8AC3E}">
+        <p14:creationId xmlns:p14="http://schemas.microsoft.com/office/powerpoint/2010/main" val="3380912104"/>
       </p:ext>
     </p:extLst>
   </p:cSld>
@@ -14075,56 +14436,32 @@
           <a:chExt cx="0" cy="0"/>
         </a:xfrm>
       </p:grpSpPr>
-      <p:sp>
-        <p:nvSpPr>
-          <p:cNvPr id="2" name="Title 1">
-            <a:extLst>
-              <a:ext uri="{FF2B5EF4-FFF2-40B4-BE49-F238E27FC236}">
-                <a16:creationId xmlns:a16="http://schemas.microsoft.com/office/drawing/2014/main" id="{7A2A9E34-CE10-4E14-9071-9840B5635DD3}"/>
-              </a:ext>
-            </a:extLst>
-          </p:cNvPr>
-          <p:cNvSpPr>
-            <a:spLocks noGrp="1"/>
-          </p:cNvSpPr>
-          <p:nvPr>
-            <p:ph type="title"/>
-          </p:nvPr>
-        </p:nvSpPr>
-        <p:spPr/>
-        <p:txBody>
-          <a:bodyPr/>
-          <a:lstStyle/>
-          <a:p>
-            <a:endParaRPr lang="en-US"/>
-          </a:p>
-        </p:txBody>
-      </p:sp>
-      <p:sp>
-        <p:nvSpPr>
-          <p:cNvPr id="3" name="Content Placeholder 2">
-            <a:extLst>
-              <a:ext uri="{FF2B5EF4-FFF2-40B4-BE49-F238E27FC236}">
-                <a16:creationId xmlns:a16="http://schemas.microsoft.com/office/drawing/2014/main" id="{03C2E8D2-85AC-4622-BAA2-66D44F0A05C2}"/>
-              </a:ext>
-            </a:extLst>
-          </p:cNvPr>
-          <p:cNvSpPr>
-            <a:spLocks noGrp="1"/>
-          </p:cNvSpPr>
+      <p:pic>
+        <p:nvPicPr>
+          <p:cNvPr id="5" name="Content Placeholder 4"/>
+          <p:cNvPicPr>
+            <a:picLocks noGrp="1" noChangeAspect="1"/>
+          </p:cNvPicPr>
           <p:nvPr>
             <p:ph idx="1"/>
           </p:nvPr>
-        </p:nvSpPr>
-        <p:spPr/>
-        <p:txBody>
-          <a:bodyPr/>
-          <a:lstStyle/>
-          <a:p>
-            <a:endParaRPr lang="en-US"/>
-          </a:p>
-        </p:txBody>
-      </p:sp>
+        </p:nvPicPr>
+        <p:blipFill>
+          <a:blip r:embed="rId2"/>
+          <a:stretch>
+            <a:fillRect/>
+          </a:stretch>
+        </p:blipFill>
+        <p:spPr>
+          <a:xfrm>
+            <a:off x="3069772" y="2446746"/>
+            <a:ext cx="5289351" cy="3893218"/>
+          </a:xfrm>
+          <a:prstGeom prst="rect">
+            <a:avLst/>
+          </a:prstGeom>
+        </p:spPr>
+      </p:pic>
       <p:sp>
         <p:nvSpPr>
           <p:cNvPr id="4" name="Slide Number Placeholder 3">
@@ -14158,10 +14495,842 @@
           </a:p>
         </p:txBody>
       </p:sp>
+      <p:sp>
+        <p:nvSpPr>
+          <p:cNvPr id="6" name="Title 5"/>
+          <p:cNvSpPr>
+            <a:spLocks noGrp="1"/>
+          </p:cNvSpPr>
+          <p:nvPr>
+            <p:ph type="title"/>
+          </p:nvPr>
+        </p:nvSpPr>
+        <p:spPr>
+          <a:xfrm>
+            <a:off x="966652" y="862148"/>
+            <a:ext cx="8975841" cy="1001363"/>
+          </a:xfrm>
+        </p:spPr>
+        <p:txBody>
+          <a:bodyPr/>
+          <a:lstStyle/>
+          <a:p>
+            <a:r>
+              <a:rPr lang="en-US" sz="3200" dirty="0" err="1"/>
+              <a:t>iRAF</a:t>
+            </a:r>
+            <a:r>
+              <a:rPr lang="en-US" sz="3200" dirty="0"/>
+              <a:t>: a Deep Reinforcement </a:t>
+            </a:r>
+            <a:r>
+              <a:rPr lang="en-US" sz="3200" dirty="0" smtClean="0"/>
+              <a:t>Learning Approach for Collaborative Mobile Edge Computing </a:t>
+            </a:r>
+            <a:r>
+              <a:rPr lang="en-US" sz="3200" dirty="0" err="1" smtClean="0"/>
+              <a:t>IoT</a:t>
+            </a:r>
+            <a:r>
+              <a:rPr lang="en-US" sz="3200" dirty="0" smtClean="0"/>
+              <a:t> Networks </a:t>
+            </a:r>
+            <a:r>
+              <a:rPr lang="en-US" sz="3200" dirty="0"/>
+              <a:t/>
+            </a:r>
+            <a:br>
+              <a:rPr lang="en-US" sz="3200" dirty="0"/>
+            </a:br>
+            <a:endParaRPr lang="en-US" sz="3200" dirty="0"/>
+          </a:p>
+        </p:txBody>
+      </p:sp>
     </p:spTree>
     <p:extLst>
       <p:ext uri="{BB962C8B-B14F-4D97-AF65-F5344CB8AC3E}">
         <p14:creationId xmlns:p14="http://schemas.microsoft.com/office/powerpoint/2010/main" val="4115547157"/>
+      </p:ext>
+    </p:extLst>
+  </p:cSld>
+  <p:clrMapOvr>
+    <a:masterClrMapping/>
+  </p:clrMapOvr>
+</p:sld>
+</file>
+
+<file path=ppt/slides/slide5.xml><?xml version="1.0" encoding="utf-8"?>
+<p:sld xmlns:a="http://schemas.openxmlformats.org/drawingml/2006/main" xmlns:r="http://schemas.openxmlformats.org/officeDocument/2006/relationships" xmlns:p="http://schemas.openxmlformats.org/presentationml/2006/main">
+  <p:cSld>
+    <p:spTree>
+      <p:nvGrpSpPr>
+        <p:cNvPr id="1" name=""/>
+        <p:cNvGrpSpPr/>
+        <p:nvPr/>
+      </p:nvGrpSpPr>
+      <p:grpSpPr>
+        <a:xfrm>
+          <a:off x="0" y="0"/>
+          <a:ext cx="0" cy="0"/>
+          <a:chOff x="0" y="0"/>
+          <a:chExt cx="0" cy="0"/>
+        </a:xfrm>
+      </p:grpSpPr>
+      <p:sp>
+        <p:nvSpPr>
+          <p:cNvPr id="2" name="Title 1"/>
+          <p:cNvSpPr>
+            <a:spLocks noGrp="1"/>
+          </p:cNvSpPr>
+          <p:nvPr>
+            <p:ph type="title"/>
+          </p:nvPr>
+        </p:nvSpPr>
+        <p:spPr/>
+        <p:txBody>
+          <a:bodyPr/>
+          <a:lstStyle/>
+          <a:p>
+            <a:r>
+              <a:rPr lang="en-US" dirty="0"/>
+              <a:t>Collaborative Mobile Edge Computing</a:t>
+            </a:r>
+            <a:r>
+              <a:rPr lang="en-US" dirty="0" smtClean="0"/>
+              <a:t> </a:t>
+            </a:r>
+            <a:endParaRPr lang="en-US" dirty="0"/>
+          </a:p>
+        </p:txBody>
+      </p:sp>
+      <p:sp>
+        <p:nvSpPr>
+          <p:cNvPr id="3" name="Content Placeholder 2"/>
+          <p:cNvSpPr>
+            <a:spLocks noGrp="1"/>
+          </p:cNvSpPr>
+          <p:nvPr>
+            <p:ph idx="1"/>
+          </p:nvPr>
+        </p:nvSpPr>
+        <p:spPr>
+          <a:xfrm>
+            <a:off x="692332" y="2207623"/>
+            <a:ext cx="9288282" cy="4062548"/>
+          </a:xfrm>
+        </p:spPr>
+        <p:txBody>
+          <a:bodyPr>
+            <a:normAutofit/>
+          </a:bodyPr>
+          <a:lstStyle/>
+          <a:p>
+            <a:r>
+              <a:rPr lang="en-US" dirty="0"/>
+              <a:t>We consider a </a:t>
+            </a:r>
+            <a:r>
+              <a:rPr lang="en-US" dirty="0" err="1"/>
+              <a:t>CoMEC</a:t>
+            </a:r>
+            <a:r>
+              <a:rPr lang="en-US" dirty="0"/>
+              <a:t> network model over </a:t>
+            </a:r>
+            <a:r>
+              <a:rPr lang="en-US" dirty="0" smtClean="0"/>
+              <a:t>fiber-wireless connection </a:t>
+            </a:r>
+            <a:r>
+              <a:rPr lang="en-US" dirty="0"/>
+              <a:t>as shown in Fig. </a:t>
+            </a:r>
+            <a:endParaRPr lang="en-US" dirty="0" smtClean="0"/>
+          </a:p>
+          <a:p>
+            <a:r>
+              <a:rPr lang="en-US" dirty="0" smtClean="0"/>
+              <a:t>The </a:t>
+            </a:r>
+            <a:r>
+              <a:rPr lang="en-US" dirty="0" err="1" smtClean="0"/>
+              <a:t>CoMEC</a:t>
+            </a:r>
+            <a:r>
+              <a:rPr lang="en-US" dirty="0"/>
+              <a:t> </a:t>
+            </a:r>
+            <a:r>
+              <a:rPr lang="en-US" dirty="0" smtClean="0"/>
+              <a:t>system </a:t>
+            </a:r>
+            <a:r>
+              <a:rPr lang="en-US" dirty="0"/>
+              <a:t>consists of a set of collaborative edge servers </a:t>
+            </a:r>
+            <a:r>
+              <a:rPr lang="en-US" dirty="0" smtClean="0"/>
+              <a:t>connected </a:t>
+            </a:r>
+            <a:r>
+              <a:rPr lang="en-US" dirty="0"/>
+              <a:t>through a fiber switch in a homogeneous network</a:t>
+            </a:r>
+            <a:r>
+              <a:rPr lang="en-US" dirty="0" smtClean="0"/>
+              <a:t>.</a:t>
+            </a:r>
+          </a:p>
+          <a:p>
+            <a:r>
+              <a:rPr lang="en-US" dirty="0" smtClean="0"/>
+              <a:t>The optical </a:t>
+            </a:r>
+            <a:r>
+              <a:rPr lang="en-US" dirty="0"/>
+              <a:t>backbone network connects to the </a:t>
+            </a:r>
+            <a:r>
+              <a:rPr lang="en-US" dirty="0" smtClean="0"/>
+              <a:t>cloud server center thousands </a:t>
+            </a:r>
+            <a:r>
+              <a:rPr lang="en-US" dirty="0"/>
+              <a:t>of miles away. </a:t>
+            </a:r>
+            <a:endParaRPr lang="en-US" dirty="0" smtClean="0"/>
+          </a:p>
+          <a:p>
+            <a:r>
+              <a:rPr lang="en-US" dirty="0" smtClean="0"/>
+              <a:t>To </a:t>
+            </a:r>
+            <a:r>
+              <a:rPr lang="en-US" dirty="0"/>
+              <a:t>distinguish the edge server receiving the task from the collaborative edge servers, we </a:t>
+            </a:r>
+            <a:r>
+              <a:rPr lang="en-US" dirty="0" smtClean="0"/>
+              <a:t>denote a </a:t>
+            </a:r>
+            <a:r>
+              <a:rPr lang="en-US" dirty="0"/>
+              <a:t>task requesting edge server as </a:t>
+            </a:r>
+            <a:r>
+              <a:rPr lang="en-US" i="1" dirty="0"/>
+              <a:t>e</a:t>
+            </a:r>
+            <a:r>
+              <a:rPr lang="en-US" dirty="0" smtClean="0"/>
+              <a:t>.</a:t>
+            </a:r>
+          </a:p>
+          <a:p>
+            <a:r>
+              <a:rPr lang="en-US" dirty="0" smtClean="0"/>
+              <a:t> </a:t>
+            </a:r>
+            <a:r>
+              <a:rPr lang="en-US" dirty="0"/>
+              <a:t>The other </a:t>
+            </a:r>
+            <a:r>
+              <a:rPr lang="en-US" dirty="0" smtClean="0"/>
+              <a:t>collaborative edge </a:t>
+            </a:r>
+            <a:r>
+              <a:rPr lang="en-US" dirty="0"/>
+              <a:t>servers have the same priority and function as the task</a:t>
+            </a:r>
+            <a:br>
+              <a:rPr lang="en-US" dirty="0"/>
+            </a:br>
+            <a:r>
+              <a:rPr lang="en-US" dirty="0"/>
+              <a:t>requesting server </a:t>
+            </a:r>
+            <a:r>
+              <a:rPr lang="en-US" i="1" dirty="0"/>
+              <a:t>e</a:t>
+            </a:r>
+            <a:r>
+              <a:rPr lang="en-US" dirty="0"/>
+              <a:t>. </a:t>
+            </a:r>
+            <a:endParaRPr lang="en-US" dirty="0" smtClean="0"/>
+          </a:p>
+          <a:p>
+            <a:r>
+              <a:rPr lang="en-US" dirty="0" smtClean="0"/>
+              <a:t>Each </a:t>
+            </a:r>
+            <a:r>
+              <a:rPr lang="en-US" dirty="0"/>
+              <a:t>edge server can serve multiple </a:t>
+            </a:r>
+            <a:r>
+              <a:rPr lang="en-US" dirty="0" smtClean="0"/>
+              <a:t>UEs through </a:t>
+            </a:r>
+            <a:r>
+              <a:rPr lang="en-US" dirty="0"/>
+              <a:t>base stations (BSs).</a:t>
+            </a:r>
+            <a:r>
+              <a:rPr lang="en-US" dirty="0"/>
+              <a:t> </a:t>
+            </a:r>
+            <a:br>
+              <a:rPr lang="en-US" dirty="0"/>
+            </a:br>
+            <a:endParaRPr lang="en-US" dirty="0"/>
+          </a:p>
+        </p:txBody>
+      </p:sp>
+      <p:sp>
+        <p:nvSpPr>
+          <p:cNvPr id="4" name="Slide Number Placeholder 3"/>
+          <p:cNvSpPr>
+            <a:spLocks noGrp="1"/>
+          </p:cNvSpPr>
+          <p:nvPr>
+            <p:ph type="sldNum" sz="quarter" idx="12"/>
+          </p:nvPr>
+        </p:nvSpPr>
+        <p:spPr/>
+        <p:txBody>
+          <a:bodyPr/>
+          <a:lstStyle/>
+          <a:p>
+            <a:fld id="{578025A5-B869-46FF-95AC-69EC79E0F0A5}" type="slidenum">
+              <a:rPr lang="en-US" smtClean="0"/>
+              <a:pPr/>
+              <a:t>5</a:t>
+            </a:fld>
+            <a:endParaRPr lang="en-US" dirty="0">
+              <a:latin typeface="Times New Roman" panose="02020603050405020304" pitchFamily="18" charset="0"/>
+              <a:cs typeface="Times New Roman" panose="02020603050405020304" pitchFamily="18" charset="0"/>
+            </a:endParaRPr>
+          </a:p>
+        </p:txBody>
+      </p:sp>
+    </p:spTree>
+    <p:extLst>
+      <p:ext uri="{BB962C8B-B14F-4D97-AF65-F5344CB8AC3E}">
+        <p14:creationId xmlns:p14="http://schemas.microsoft.com/office/powerpoint/2010/main" val="320862950"/>
+      </p:ext>
+    </p:extLst>
+  </p:cSld>
+  <p:clrMapOvr>
+    <a:masterClrMapping/>
+  </p:clrMapOvr>
+</p:sld>
+</file>
+
+<file path=ppt/slides/slide6.xml><?xml version="1.0" encoding="utf-8"?>
+<p:sld xmlns:a="http://schemas.openxmlformats.org/drawingml/2006/main" xmlns:r="http://schemas.openxmlformats.org/officeDocument/2006/relationships" xmlns:p="http://schemas.openxmlformats.org/presentationml/2006/main">
+  <p:cSld>
+    <p:spTree>
+      <p:nvGrpSpPr>
+        <p:cNvPr id="1" name=""/>
+        <p:cNvGrpSpPr/>
+        <p:nvPr/>
+      </p:nvGrpSpPr>
+      <p:grpSpPr>
+        <a:xfrm>
+          <a:off x="0" y="0"/>
+          <a:ext cx="0" cy="0"/>
+          <a:chOff x="0" y="0"/>
+          <a:chExt cx="0" cy="0"/>
+        </a:xfrm>
+      </p:grpSpPr>
+      <p:sp>
+        <p:nvSpPr>
+          <p:cNvPr id="2" name="Title 1"/>
+          <p:cNvSpPr>
+            <a:spLocks noGrp="1"/>
+          </p:cNvSpPr>
+          <p:nvPr>
+            <p:ph type="title"/>
+          </p:nvPr>
+        </p:nvSpPr>
+        <p:spPr>
+          <a:xfrm>
+            <a:off x="1416211" y="908354"/>
+            <a:ext cx="9197586" cy="789818"/>
+          </a:xfrm>
+        </p:spPr>
+        <p:txBody>
+          <a:bodyPr/>
+          <a:lstStyle/>
+          <a:p>
+            <a:r>
+              <a:rPr lang="en-US" dirty="0"/>
+              <a:t>Deep Reinforcement Learning Based Mobile Edge Computing for Intelligent Internet </a:t>
+            </a:r>
+            <a:r>
+              <a:rPr lang="en-US" dirty="0" smtClean="0"/>
+              <a:t>of Things </a:t>
+            </a:r>
+            <a:endParaRPr lang="en-US" dirty="0"/>
+          </a:p>
+        </p:txBody>
+      </p:sp>
+      <p:sp>
+        <p:nvSpPr>
+          <p:cNvPr id="4" name="Slide Number Placeholder 3"/>
+          <p:cNvSpPr>
+            <a:spLocks noGrp="1"/>
+          </p:cNvSpPr>
+          <p:nvPr>
+            <p:ph type="sldNum" sz="quarter" idx="12"/>
+          </p:nvPr>
+        </p:nvSpPr>
+        <p:spPr/>
+        <p:txBody>
+          <a:bodyPr/>
+          <a:lstStyle/>
+          <a:p>
+            <a:fld id="{578025A5-B869-46FF-95AC-69EC79E0F0A5}" type="slidenum">
+              <a:rPr lang="en-US" smtClean="0"/>
+              <a:pPr/>
+              <a:t>6</a:t>
+            </a:fld>
+            <a:endParaRPr lang="en-US" dirty="0">
+              <a:latin typeface="Times New Roman" panose="02020603050405020304" pitchFamily="18" charset="0"/>
+              <a:cs typeface="Times New Roman" panose="02020603050405020304" pitchFamily="18" charset="0"/>
+            </a:endParaRPr>
+          </a:p>
+        </p:txBody>
+      </p:sp>
+      <p:pic>
+        <p:nvPicPr>
+          <p:cNvPr id="7" name="Picture 6"/>
+          <p:cNvPicPr>
+            <a:picLocks noChangeAspect="1"/>
+          </p:cNvPicPr>
+          <p:nvPr/>
+        </p:nvPicPr>
+        <p:blipFill>
+          <a:blip r:embed="rId2"/>
+          <a:stretch>
+            <a:fillRect/>
+          </a:stretch>
+        </p:blipFill>
+        <p:spPr>
+          <a:xfrm>
+            <a:off x="3606585" y="2310797"/>
+            <a:ext cx="4988775" cy="4491055"/>
+          </a:xfrm>
+          <a:prstGeom prst="rect">
+            <a:avLst/>
+          </a:prstGeom>
+        </p:spPr>
+      </p:pic>
+    </p:spTree>
+    <p:extLst>
+      <p:ext uri="{BB962C8B-B14F-4D97-AF65-F5344CB8AC3E}">
+        <p14:creationId xmlns:p14="http://schemas.microsoft.com/office/powerpoint/2010/main" val="2920439410"/>
+      </p:ext>
+    </p:extLst>
+  </p:cSld>
+  <p:clrMapOvr>
+    <a:masterClrMapping/>
+  </p:clrMapOvr>
+</p:sld>
+</file>
+
+<file path=ppt/slides/slide7.xml><?xml version="1.0" encoding="utf-8"?>
+<p:sld xmlns:a="http://schemas.openxmlformats.org/drawingml/2006/main" xmlns:r="http://schemas.openxmlformats.org/officeDocument/2006/relationships" xmlns:p="http://schemas.openxmlformats.org/presentationml/2006/main">
+  <p:cSld>
+    <p:spTree>
+      <p:nvGrpSpPr>
+        <p:cNvPr id="1" name=""/>
+        <p:cNvGrpSpPr/>
+        <p:nvPr/>
+      </p:nvGrpSpPr>
+      <p:grpSpPr>
+        <a:xfrm>
+          <a:off x="0" y="0"/>
+          <a:ext cx="0" cy="0"/>
+          <a:chOff x="0" y="0"/>
+          <a:chExt cx="0" cy="0"/>
+        </a:xfrm>
+      </p:grpSpPr>
+      <p:sp>
+        <p:nvSpPr>
+          <p:cNvPr id="2" name="Title 1"/>
+          <p:cNvSpPr>
+            <a:spLocks noGrp="1"/>
+          </p:cNvSpPr>
+          <p:nvPr>
+            <p:ph type="title"/>
+          </p:nvPr>
+        </p:nvSpPr>
+        <p:spPr/>
+        <p:txBody>
+          <a:bodyPr/>
+          <a:lstStyle/>
+          <a:p>
+            <a:r>
+              <a:rPr lang="en-US" dirty="0"/>
+              <a:t>Deep Reinforcement Learning Based Mobile Edge Computing for Intelligent Internet of Things </a:t>
+            </a:r>
+          </a:p>
+        </p:txBody>
+      </p:sp>
+      <p:sp>
+        <p:nvSpPr>
+          <p:cNvPr id="3" name="Content Placeholder 2"/>
+          <p:cNvSpPr>
+            <a:spLocks noGrp="1"/>
+          </p:cNvSpPr>
+          <p:nvPr>
+            <p:ph idx="1"/>
+          </p:nvPr>
+        </p:nvSpPr>
+        <p:spPr/>
+        <p:txBody>
+          <a:bodyPr/>
+          <a:lstStyle/>
+          <a:p>
+            <a:r>
+              <a:rPr lang="en-US" dirty="0"/>
+              <a:t>we study MEC networks for intelligent </a:t>
+            </a:r>
+            <a:r>
+              <a:rPr lang="en-US" dirty="0" err="1"/>
+              <a:t>IoT</a:t>
+            </a:r>
+            <a:r>
+              <a:rPr lang="en-US" dirty="0"/>
+              <a:t>, where multiple users have </a:t>
+            </a:r>
+            <a:r>
+              <a:rPr lang="en-US" dirty="0" smtClean="0"/>
+              <a:t>some computational </a:t>
+            </a:r>
+            <a:r>
+              <a:rPr lang="en-US" dirty="0"/>
+              <a:t>tasks assisted by multiple computational access points (CAPs</a:t>
+            </a:r>
+            <a:r>
+              <a:rPr lang="en-US" dirty="0" smtClean="0"/>
+              <a:t>)</a:t>
+            </a:r>
+          </a:p>
+          <a:p>
+            <a:r>
+              <a:rPr lang="en-US" dirty="0"/>
+              <a:t>By offloading some tasks to the CAPs, the system performance can be improved through reducing the latency and energy consumption, which are the two important metrics of interest in the MEC networks</a:t>
+            </a:r>
+            <a:r>
+              <a:rPr lang="en-US" dirty="0" smtClean="0"/>
+              <a:t>.</a:t>
+            </a:r>
+          </a:p>
+          <a:p>
+            <a:r>
+              <a:rPr lang="en-US" dirty="0"/>
+              <a:t>We devise the system by proposing the offloading strategy intelligently through the deep reinforcement learning </a:t>
+            </a:r>
+            <a:r>
+              <a:rPr lang="en-US" dirty="0" smtClean="0"/>
+              <a:t>algorithm</a:t>
+            </a:r>
+          </a:p>
+          <a:p>
+            <a:r>
+              <a:rPr lang="en-US" dirty="0"/>
+              <a:t>we consider the problem of offloading strategy design for MEC network, in order to determine how many tasks to computed by the CAPs. </a:t>
+            </a:r>
+          </a:p>
+        </p:txBody>
+      </p:sp>
+      <p:sp>
+        <p:nvSpPr>
+          <p:cNvPr id="4" name="Slide Number Placeholder 3"/>
+          <p:cNvSpPr>
+            <a:spLocks noGrp="1"/>
+          </p:cNvSpPr>
+          <p:nvPr>
+            <p:ph type="sldNum" sz="quarter" idx="12"/>
+          </p:nvPr>
+        </p:nvSpPr>
+        <p:spPr/>
+        <p:txBody>
+          <a:bodyPr/>
+          <a:lstStyle/>
+          <a:p>
+            <a:fld id="{578025A5-B869-46FF-95AC-69EC79E0F0A5}" type="slidenum">
+              <a:rPr lang="en-US" smtClean="0"/>
+              <a:pPr/>
+              <a:t>7</a:t>
+            </a:fld>
+            <a:endParaRPr lang="en-US" dirty="0">
+              <a:latin typeface="Times New Roman" panose="02020603050405020304" pitchFamily="18" charset="0"/>
+              <a:cs typeface="Times New Roman" panose="02020603050405020304" pitchFamily="18" charset="0"/>
+            </a:endParaRPr>
+          </a:p>
+        </p:txBody>
+      </p:sp>
+    </p:spTree>
+    <p:extLst>
+      <p:ext uri="{BB962C8B-B14F-4D97-AF65-F5344CB8AC3E}">
+        <p14:creationId xmlns:p14="http://schemas.microsoft.com/office/powerpoint/2010/main" val="254744851"/>
+      </p:ext>
+    </p:extLst>
+  </p:cSld>
+  <p:clrMapOvr>
+    <a:masterClrMapping/>
+  </p:clrMapOvr>
+</p:sld>
+</file>
+
+<file path=ppt/slides/slide8.xml><?xml version="1.0" encoding="utf-8"?>
+<p:sld xmlns:a="http://schemas.openxmlformats.org/drawingml/2006/main" xmlns:r="http://schemas.openxmlformats.org/officeDocument/2006/relationships" xmlns:p="http://schemas.openxmlformats.org/presentationml/2006/main">
+  <p:cSld>
+    <p:spTree>
+      <p:nvGrpSpPr>
+        <p:cNvPr id="1" name=""/>
+        <p:cNvGrpSpPr/>
+        <p:nvPr/>
+      </p:nvGrpSpPr>
+      <p:grpSpPr>
+        <a:xfrm>
+          <a:off x="0" y="0"/>
+          <a:ext cx="0" cy="0"/>
+          <a:chOff x="0" y="0"/>
+          <a:chExt cx="0" cy="0"/>
+        </a:xfrm>
+      </p:grpSpPr>
+      <p:sp>
+        <p:nvSpPr>
+          <p:cNvPr id="2" name="Title 1"/>
+          <p:cNvSpPr>
+            <a:spLocks noGrp="1"/>
+          </p:cNvSpPr>
+          <p:nvPr>
+            <p:ph type="title"/>
+          </p:nvPr>
+        </p:nvSpPr>
+        <p:spPr/>
+        <p:txBody>
+          <a:bodyPr/>
+          <a:lstStyle/>
+          <a:p>
+            <a:r>
+              <a:rPr lang="en-US" dirty="0"/>
+              <a:t>MEC and O-RAN </a:t>
+            </a:r>
+            <a:r>
+              <a:rPr lang="en-US" dirty="0" smtClean="0"/>
+              <a:t>Integration</a:t>
+            </a:r>
+            <a:endParaRPr lang="en-US" dirty="0"/>
+          </a:p>
+        </p:txBody>
+      </p:sp>
+      <p:sp>
+        <p:nvSpPr>
+          <p:cNvPr id="3" name="Content Placeholder 2"/>
+          <p:cNvSpPr>
+            <a:spLocks noGrp="1"/>
+          </p:cNvSpPr>
+          <p:nvPr>
+            <p:ph idx="1"/>
+          </p:nvPr>
+        </p:nvSpPr>
+        <p:spPr/>
+        <p:txBody>
+          <a:bodyPr/>
+          <a:lstStyle/>
+          <a:p>
+            <a:r>
+              <a:rPr lang="en-US" dirty="0" smtClean="0"/>
+              <a:t>MEC </a:t>
+            </a:r>
+            <a:r>
+              <a:rPr lang="en-US" dirty="0"/>
+              <a:t>hosts can be combined with the near-RT RIC hosts of O-RAN, and the MEC-based control plane services can be just O-RAN services (data plane services cannot be deployed that way). MEC databases (about UE locations, cell performance, Radio Network Information Service (RNIS)) can be integrated with O-RAN databases; the Mobile Edge Application Orchestrator (MEAO) can be used for </a:t>
+            </a:r>
+            <a:r>
+              <a:rPr lang="en-US" dirty="0" err="1"/>
+              <a:t>xApps</a:t>
+            </a:r>
+            <a:r>
+              <a:rPr lang="en-US" dirty="0"/>
+              <a:t> orchestration (including SON functions). The MEC application mobility mechanism can be reused in multi-near-RT RIC environment, solving an essential problem of the inter-near-RT RICs cooperation.</a:t>
+            </a:r>
+          </a:p>
+        </p:txBody>
+      </p:sp>
+      <p:sp>
+        <p:nvSpPr>
+          <p:cNvPr id="4" name="Slide Number Placeholder 3"/>
+          <p:cNvSpPr>
+            <a:spLocks noGrp="1"/>
+          </p:cNvSpPr>
+          <p:nvPr>
+            <p:ph type="sldNum" sz="quarter" idx="12"/>
+          </p:nvPr>
+        </p:nvSpPr>
+        <p:spPr/>
+        <p:txBody>
+          <a:bodyPr/>
+          <a:lstStyle/>
+          <a:p>
+            <a:fld id="{578025A5-B869-46FF-95AC-69EC79E0F0A5}" type="slidenum">
+              <a:rPr lang="en-US" smtClean="0"/>
+              <a:pPr/>
+              <a:t>8</a:t>
+            </a:fld>
+            <a:endParaRPr lang="en-US" dirty="0">
+              <a:latin typeface="Times New Roman" panose="02020603050405020304" pitchFamily="18" charset="0"/>
+              <a:cs typeface="Times New Roman" panose="02020603050405020304" pitchFamily="18" charset="0"/>
+            </a:endParaRPr>
+          </a:p>
+        </p:txBody>
+      </p:sp>
+    </p:spTree>
+    <p:extLst>
+      <p:ext uri="{BB962C8B-B14F-4D97-AF65-F5344CB8AC3E}">
+        <p14:creationId xmlns:p14="http://schemas.microsoft.com/office/powerpoint/2010/main" val="721719196"/>
+      </p:ext>
+    </p:extLst>
+  </p:cSld>
+  <p:clrMapOvr>
+    <a:masterClrMapping/>
+  </p:clrMapOvr>
+</p:sld>
+</file>
+
+<file path=ppt/slides/slide9.xml><?xml version="1.0" encoding="utf-8"?>
+<p:sld xmlns:a="http://schemas.openxmlformats.org/drawingml/2006/main" xmlns:r="http://schemas.openxmlformats.org/officeDocument/2006/relationships" xmlns:p="http://schemas.openxmlformats.org/presentationml/2006/main">
+  <p:cSld>
+    <p:spTree>
+      <p:nvGrpSpPr>
+        <p:cNvPr id="1" name=""/>
+        <p:cNvGrpSpPr/>
+        <p:nvPr/>
+      </p:nvGrpSpPr>
+      <p:grpSpPr>
+        <a:xfrm>
+          <a:off x="0" y="0"/>
+          <a:ext cx="0" cy="0"/>
+          <a:chOff x="0" y="0"/>
+          <a:chExt cx="0" cy="0"/>
+        </a:xfrm>
+      </p:grpSpPr>
+      <p:sp>
+        <p:nvSpPr>
+          <p:cNvPr id="2" name="Title 1"/>
+          <p:cNvSpPr>
+            <a:spLocks noGrp="1"/>
+          </p:cNvSpPr>
+          <p:nvPr>
+            <p:ph type="title"/>
+          </p:nvPr>
+        </p:nvSpPr>
+        <p:spPr/>
+        <p:txBody>
+          <a:bodyPr/>
+          <a:lstStyle/>
+          <a:p>
+            <a:r>
+              <a:rPr lang="en-US" dirty="0"/>
+              <a:t>NS and MEC/O-RAN </a:t>
+            </a:r>
+            <a:r>
+              <a:rPr lang="en-US" dirty="0" smtClean="0"/>
+              <a:t>Integration</a:t>
+            </a:r>
+            <a:endParaRPr lang="en-US" dirty="0"/>
+          </a:p>
+        </p:txBody>
+      </p:sp>
+      <p:sp>
+        <p:nvSpPr>
+          <p:cNvPr id="3" name="Content Placeholder 2"/>
+          <p:cNvSpPr>
+            <a:spLocks noGrp="1"/>
+          </p:cNvSpPr>
+          <p:nvPr>
+            <p:ph idx="1"/>
+          </p:nvPr>
+        </p:nvSpPr>
+        <p:spPr/>
+        <p:txBody>
+          <a:bodyPr/>
+          <a:lstStyle/>
+          <a:p>
+            <a:r>
+              <a:rPr lang="en-US" dirty="0" smtClean="0"/>
+              <a:t>The </a:t>
+            </a:r>
+            <a:r>
+              <a:rPr lang="en-US" dirty="0"/>
+              <a:t>support of NS is an ongoing technical spec task group effort in O-RAN. It impacts O-RAN in several ways: (</a:t>
+            </a:r>
+            <a:r>
+              <a:rPr lang="en-US" dirty="0" err="1"/>
+              <a:t>i</a:t>
+            </a:r>
+            <a:r>
+              <a:rPr lang="en-US" dirty="0"/>
+              <a:t>) a slice </a:t>
+            </a:r>
+            <a:r>
+              <a:rPr lang="en-US" dirty="0" err="1"/>
+              <a:t>xApps</a:t>
+            </a:r>
+            <a:r>
+              <a:rPr lang="en-US" dirty="0"/>
+              <a:t> can be included in NR slice templates and orchestrated by the O-RAN/MEC orchestrator; (ii) each slice needs a separate, secure partition of the O-RAN/MEC databases; and (iii) the slice </a:t>
+            </a:r>
+            <a:r>
+              <a:rPr lang="en-US" dirty="0" err="1"/>
+              <a:t>xApps</a:t>
+            </a:r>
+            <a:r>
+              <a:rPr lang="en-US" dirty="0"/>
+              <a:t> hosting near-RT RIC architecture modification is required. Moreover, the 5GC (sub-)network slice and O-RAN network slice has to be stitched together using native 5GC network slicing-related mechanisms, as defined by 3GPP</a:t>
+            </a:r>
+          </a:p>
+        </p:txBody>
+      </p:sp>
+      <p:sp>
+        <p:nvSpPr>
+          <p:cNvPr id="4" name="Slide Number Placeholder 3"/>
+          <p:cNvSpPr>
+            <a:spLocks noGrp="1"/>
+          </p:cNvSpPr>
+          <p:nvPr>
+            <p:ph type="sldNum" sz="quarter" idx="12"/>
+          </p:nvPr>
+        </p:nvSpPr>
+        <p:spPr/>
+        <p:txBody>
+          <a:bodyPr/>
+          <a:lstStyle/>
+          <a:p>
+            <a:fld id="{578025A5-B869-46FF-95AC-69EC79E0F0A5}" type="slidenum">
+              <a:rPr lang="en-US" smtClean="0"/>
+              <a:pPr/>
+              <a:t>9</a:t>
+            </a:fld>
+            <a:endParaRPr lang="en-US" dirty="0">
+              <a:latin typeface="Times New Roman" panose="02020603050405020304" pitchFamily="18" charset="0"/>
+              <a:cs typeface="Times New Roman" panose="02020603050405020304" pitchFamily="18" charset="0"/>
+            </a:endParaRPr>
+          </a:p>
+        </p:txBody>
+      </p:sp>
+    </p:spTree>
+    <p:extLst>
+      <p:ext uri="{BB962C8B-B14F-4D97-AF65-F5344CB8AC3E}">
+        <p14:creationId xmlns:p14="http://schemas.microsoft.com/office/powerpoint/2010/main" val="567496498"/>
       </p:ext>
     </p:extLst>
   </p:cSld>

--- a/MEC.pptx
+++ b/MEC.pptx
@@ -5,7 +5,7 @@
     <p:sldMasterId id="2147483660" r:id="rId1"/>
   </p:sldMasterIdLst>
   <p:notesMasterIdLst>
-    <p:notesMasterId r:id="rId14"/>
+    <p:notesMasterId r:id="rId22"/>
   </p:notesMasterIdLst>
   <p:sldIdLst>
     <p:sldId id="256" r:id="rId2"/>
@@ -17,9 +17,17 @@
     <p:sldId id="262" r:id="rId8"/>
     <p:sldId id="263" r:id="rId9"/>
     <p:sldId id="264" r:id="rId10"/>
-    <p:sldId id="265" r:id="rId11"/>
-    <p:sldId id="266" r:id="rId12"/>
-    <p:sldId id="267" r:id="rId13"/>
+    <p:sldId id="269" r:id="rId11"/>
+    <p:sldId id="265" r:id="rId12"/>
+    <p:sldId id="266" r:id="rId13"/>
+    <p:sldId id="270" r:id="rId14"/>
+    <p:sldId id="271" r:id="rId15"/>
+    <p:sldId id="274" r:id="rId16"/>
+    <p:sldId id="272" r:id="rId17"/>
+    <p:sldId id="277" r:id="rId18"/>
+    <p:sldId id="278" r:id="rId19"/>
+    <p:sldId id="275" r:id="rId20"/>
+    <p:sldId id="276" r:id="rId21"/>
   </p:sldIdLst>
   <p:sldSz cx="12192000" cy="6858000"/>
   <p:notesSz cx="6858000" cy="9144000"/>
@@ -208,7 +216,7 @@
           <a:p>
             <a:fld id="{8826D006-77C1-46F1-B358-0D72B25320B3}" type="datetimeFigureOut">
               <a:rPr lang="en-US" smtClean="0"/>
-              <a:t>1/4/2021</a:t>
+              <a:t>1/5/2021</a:t>
             </a:fld>
             <a:endParaRPr lang="en-US"/>
           </a:p>
@@ -810,7 +818,7 @@
           <a:p>
             <a:fld id="{E053A848-D31C-45DA-B59C-C621E68A502B}" type="datetime1">
               <a:rPr lang="en-US" smtClean="0"/>
-              <a:t>1/4/2021</a:t>
+              <a:t>1/5/2021</a:t>
             </a:fld>
             <a:endParaRPr lang="en-US"/>
           </a:p>
@@ -1898,7 +1906,7 @@
           <a:p>
             <a:fld id="{D2F32252-468F-4583-BD07-23AE6339560F}" type="datetime1">
               <a:rPr lang="en-US" smtClean="0"/>
-              <a:t>1/4/2021</a:t>
+              <a:t>1/5/2021</a:t>
             </a:fld>
             <a:endParaRPr lang="en-US"/>
           </a:p>
@@ -2878,7 +2886,7 @@
           <a:p>
             <a:fld id="{E0B81B8B-3826-4177-930E-965C27AA4234}" type="datetime1">
               <a:rPr lang="en-US" smtClean="0"/>
-              <a:t>1/4/2021</a:t>
+              <a:t>1/5/2021</a:t>
             </a:fld>
             <a:endParaRPr lang="en-US"/>
           </a:p>
@@ -4012,7 +4020,7 @@
           <a:p>
             <a:fld id="{E7EA4931-981E-4DA4-8ADC-B75CEDDCED06}" type="datetime1">
               <a:rPr lang="en-US" smtClean="0"/>
-              <a:t>1/4/2021</a:t>
+              <a:t>1/5/2021</a:t>
             </a:fld>
             <a:endParaRPr lang="en-US"/>
           </a:p>
@@ -5045,7 +5053,7 @@
           <a:p>
             <a:fld id="{50673388-E755-4450-BCE3-21A6FC2B25D1}" type="datetime1">
               <a:rPr lang="en-US" smtClean="0"/>
-              <a:t>1/4/2021</a:t>
+              <a:t>1/5/2021</a:t>
             </a:fld>
             <a:endParaRPr lang="en-US"/>
           </a:p>
@@ -5705,7 +5713,7 @@
           <a:p>
             <a:fld id="{0116FBFF-EE95-4CED-8403-C5235E02F49C}" type="datetime1">
               <a:rPr lang="en-US" smtClean="0"/>
-              <a:t>1/4/2021</a:t>
+              <a:t>1/5/2021</a:t>
             </a:fld>
             <a:endParaRPr lang="en-US"/>
           </a:p>
@@ -6566,7 +6574,7 @@
           <a:p>
             <a:fld id="{24E36C59-7D03-4FFD-8E5D-644D2C59A649}" type="datetime1">
               <a:rPr lang="en-US" smtClean="0"/>
-              <a:t>1/4/2021</a:t>
+              <a:t>1/5/2021</a:t>
             </a:fld>
             <a:endParaRPr lang="en-US"/>
           </a:p>
@@ -6756,7 +6764,7 @@
           <a:p>
             <a:fld id="{875491EE-D0C1-41B4-8C41-1487107C3E20}" type="datetime1">
               <a:rPr lang="en-US" smtClean="0"/>
-              <a:t>1/4/2021</a:t>
+              <a:t>1/5/2021</a:t>
             </a:fld>
             <a:endParaRPr lang="en-US"/>
           </a:p>
@@ -7728,7 +7736,7 @@
           <a:p>
             <a:fld id="{F2445B4D-E839-424C-B824-B7290FBDCD56}" type="datetime1">
               <a:rPr lang="en-US" smtClean="0"/>
-              <a:t>1/4/2021</a:t>
+              <a:t>1/5/2021</a:t>
             </a:fld>
             <a:endParaRPr lang="en-US"/>
           </a:p>
@@ -7975,7 +7983,7 @@
           <a:p>
             <a:fld id="{7BF2B5B2-2C97-4281-9A1F-64B3BE02E43F}" type="datetime1">
               <a:rPr lang="en-US" smtClean="0"/>
-              <a:t>1/4/2021</a:t>
+              <a:t>1/5/2021</a:t>
             </a:fld>
             <a:endParaRPr lang="en-US"/>
           </a:p>
@@ -9020,7 +9028,7 @@
           <a:p>
             <a:fld id="{81CE676B-3B07-4C95-95FA-5C95AA45A77E}" type="datetime1">
               <a:rPr lang="en-US" smtClean="0"/>
-              <a:t>1/4/2021</a:t>
+              <a:t>1/5/2021</a:t>
             </a:fld>
             <a:endParaRPr lang="en-US"/>
           </a:p>
@@ -9292,7 +9300,7 @@
           <a:p>
             <a:fld id="{A43325CC-12A5-48E7-8CDD-43A743E0D8FB}" type="datetime1">
               <a:rPr lang="en-US" smtClean="0"/>
-              <a:t>1/4/2021</a:t>
+              <a:t>1/5/2021</a:t>
             </a:fld>
             <a:endParaRPr lang="en-US"/>
           </a:p>
@@ -9702,7 +9710,7 @@
           <a:p>
             <a:fld id="{623E3145-ECE6-41B7-93AF-303F2858E729}" type="datetime1">
               <a:rPr lang="en-US" smtClean="0"/>
-              <a:t>1/4/2021</a:t>
+              <a:t>1/5/2021</a:t>
             </a:fld>
             <a:endParaRPr lang="en-US"/>
           </a:p>
@@ -9829,7 +9837,7 @@
           <a:p>
             <a:fld id="{0FB15E4E-F8F3-40C1-977F-4E2CA57610FC}" type="datetime1">
               <a:rPr lang="en-US" smtClean="0"/>
-              <a:t>1/4/2021</a:t>
+              <a:t>1/5/2021</a:t>
             </a:fld>
             <a:endParaRPr lang="en-US"/>
           </a:p>
@@ -9924,7 +9932,7 @@
           <a:p>
             <a:fld id="{30FA8A97-B720-4944-89D3-C0C3AEF5FC10}" type="datetime1">
               <a:rPr lang="en-US" smtClean="0"/>
-              <a:t>1/4/2021</a:t>
+              <a:t>1/5/2021</a:t>
             </a:fld>
             <a:endParaRPr lang="en-US"/>
           </a:p>
@@ -11005,7 +11013,7 @@
           <a:p>
             <a:fld id="{DC54BB27-491B-4E5F-BA24-F235EC69D7A8}" type="datetime1">
               <a:rPr lang="en-US" smtClean="0"/>
-              <a:t>1/4/2021</a:t>
+              <a:t>1/5/2021</a:t>
             </a:fld>
             <a:endParaRPr lang="en-US"/>
           </a:p>
@@ -12113,7 +12121,7 @@
           <a:p>
             <a:fld id="{6DEF4927-755C-4B2A-A412-383C241C7E5D}" type="datetime1">
               <a:rPr lang="en-US" smtClean="0"/>
-              <a:t>1/4/2021</a:t>
+              <a:t>1/5/2021</a:t>
             </a:fld>
             <a:endParaRPr lang="en-US"/>
           </a:p>
@@ -13110,7 +13118,7 @@
           <a:p>
             <a:fld id="{F5D2FEAF-EB36-46C5-BEF7-2E2A2597C1F9}" type="datetime1">
               <a:rPr lang="en-US" smtClean="0"/>
-              <a:t>1/4/2021</a:t>
+              <a:t>1/5/2021</a:t>
             </a:fld>
             <a:endParaRPr lang="en-US"/>
           </a:p>
@@ -13705,13 +13713,6 @@
                 <a:cs typeface="Times New Roman" panose="02020603050405020304" pitchFamily="18" charset="0"/>
               </a:rPr>
             </a:br>
-            <a:r>
-              <a:rPr lang="en-US" dirty="0">
-                <a:latin typeface="Times New Roman" panose="02020603050405020304" pitchFamily="18" charset="0"/>
-                <a:cs typeface="Times New Roman" panose="02020603050405020304" pitchFamily="18" charset="0"/>
-              </a:rPr>
-              <a:t/>
-            </a:r>
             <a:br>
               <a:rPr lang="en-US" dirty="0">
                 <a:latin typeface="Times New Roman" panose="02020603050405020304" pitchFamily="18" charset="0"/>
@@ -13819,6 +13820,101 @@
       </p:grpSpPr>
       <p:sp>
         <p:nvSpPr>
+          <p:cNvPr id="2" name="Slide Number Placeholder 1">
+            <a:extLst>
+              <a:ext uri="{FF2B5EF4-FFF2-40B4-BE49-F238E27FC236}">
+                <a16:creationId xmlns:a16="http://schemas.microsoft.com/office/drawing/2014/main" id="{72FD82C3-2D3F-4592-AEB2-E070493E736F}"/>
+              </a:ext>
+            </a:extLst>
+          </p:cNvPr>
+          <p:cNvSpPr>
+            <a:spLocks noGrp="1"/>
+          </p:cNvSpPr>
+          <p:nvPr>
+            <p:ph type="sldNum" sz="quarter" idx="12"/>
+          </p:nvPr>
+        </p:nvSpPr>
+        <p:spPr/>
+        <p:txBody>
+          <a:bodyPr/>
+          <a:lstStyle/>
+          <a:p>
+            <a:fld id="{578025A5-B869-46FF-95AC-69EC79E0F0A5}" type="slidenum">
+              <a:rPr lang="en-US" smtClean="0"/>
+              <a:t>10</a:t>
+            </a:fld>
+            <a:endParaRPr lang="en-US"/>
+          </a:p>
+        </p:txBody>
+      </p:sp>
+      <p:pic>
+        <p:nvPicPr>
+          <p:cNvPr id="3" name="Content Placeholder 5">
+            <a:extLst>
+              <a:ext uri="{FF2B5EF4-FFF2-40B4-BE49-F238E27FC236}">
+                <a16:creationId xmlns:a16="http://schemas.microsoft.com/office/drawing/2014/main" id="{B38734E2-1B0A-45C5-B6B3-46DCAB641256}"/>
+              </a:ext>
+            </a:extLst>
+          </p:cNvPr>
+          <p:cNvPicPr>
+            <a:picLocks noChangeAspect="1"/>
+          </p:cNvPicPr>
+          <p:nvPr/>
+        </p:nvPicPr>
+        <p:blipFill>
+          <a:blip r:embed="rId2">
+            <a:extLst>
+              <a:ext uri="{28A0092B-C50C-407E-A947-70E740481C1C}">
+                <a14:useLocalDpi xmlns:a14="http://schemas.microsoft.com/office/drawing/2010/main" val="0"/>
+              </a:ext>
+            </a:extLst>
+          </a:blip>
+          <a:stretch>
+            <a:fillRect/>
+          </a:stretch>
+        </p:blipFill>
+        <p:spPr>
+          <a:xfrm>
+            <a:off x="2259106" y="828185"/>
+            <a:ext cx="7123709" cy="5048122"/>
+          </a:xfrm>
+          <a:prstGeom prst="rect">
+            <a:avLst/>
+          </a:prstGeom>
+        </p:spPr>
+      </p:pic>
+    </p:spTree>
+    <p:extLst>
+      <p:ext uri="{BB962C8B-B14F-4D97-AF65-F5344CB8AC3E}">
+        <p14:creationId xmlns:p14="http://schemas.microsoft.com/office/powerpoint/2010/main" val="1087945138"/>
+      </p:ext>
+    </p:extLst>
+  </p:cSld>
+  <p:clrMapOvr>
+    <a:masterClrMapping/>
+  </p:clrMapOvr>
+</p:sld>
+</file>
+
+<file path=ppt/slides/slide11.xml><?xml version="1.0" encoding="utf-8"?>
+<p:sld xmlns:a="http://schemas.openxmlformats.org/drawingml/2006/main" xmlns:r="http://schemas.openxmlformats.org/officeDocument/2006/relationships" xmlns:p="http://schemas.openxmlformats.org/presentationml/2006/main">
+  <p:cSld>
+    <p:spTree>
+      <p:nvGrpSpPr>
+        <p:cNvPr id="1" name=""/>
+        <p:cNvGrpSpPr/>
+        <p:nvPr/>
+      </p:nvGrpSpPr>
+      <p:grpSpPr>
+        <a:xfrm>
+          <a:off x="0" y="0"/>
+          <a:ext cx="0" cy="0"/>
+          <a:chOff x="0" y="0"/>
+          <a:chExt cx="0" cy="0"/>
+        </a:xfrm>
+      </p:grpSpPr>
+      <p:sp>
+        <p:nvSpPr>
           <p:cNvPr id="2" name="Title 1"/>
           <p:cNvSpPr>
             <a:spLocks noGrp="1"/>
@@ -13833,10 +13929,9 @@
           <a:lstStyle/>
           <a:p>
             <a:r>
-              <a:rPr lang="en-US" dirty="0" smtClean="0"/>
+              <a:rPr lang="en-US" dirty="0"/>
               <a:t>MEC in O-RAN</a:t>
             </a:r>
-            <a:endParaRPr lang="en-US" dirty="0"/>
           </a:p>
         </p:txBody>
       </p:sp>
@@ -13884,146 +13979,6 @@
             <a:fld id="{578025A5-B869-46FF-95AC-69EC79E0F0A5}" type="slidenum">
               <a:rPr lang="en-US" smtClean="0"/>
               <a:pPr/>
-              <a:t>10</a:t>
-            </a:fld>
-            <a:endParaRPr lang="en-US" dirty="0">
-              <a:latin typeface="Times New Roman" panose="02020603050405020304" pitchFamily="18" charset="0"/>
-              <a:cs typeface="Times New Roman" panose="02020603050405020304" pitchFamily="18" charset="0"/>
-            </a:endParaRPr>
-          </a:p>
-        </p:txBody>
-      </p:sp>
-    </p:spTree>
-    <p:extLst>
-      <p:ext uri="{BB962C8B-B14F-4D97-AF65-F5344CB8AC3E}">
-        <p14:creationId xmlns:p14="http://schemas.microsoft.com/office/powerpoint/2010/main" val="3441613405"/>
-      </p:ext>
-    </p:extLst>
-  </p:cSld>
-  <p:clrMapOvr>
-    <a:masterClrMapping/>
-  </p:clrMapOvr>
-</p:sld>
-</file>
-
-<file path=ppt/slides/slide11.xml><?xml version="1.0" encoding="utf-8"?>
-<p:sld xmlns:a="http://schemas.openxmlformats.org/drawingml/2006/main" xmlns:r="http://schemas.openxmlformats.org/officeDocument/2006/relationships" xmlns:p="http://schemas.openxmlformats.org/presentationml/2006/main">
-  <p:cSld>
-    <p:spTree>
-      <p:nvGrpSpPr>
-        <p:cNvPr id="1" name=""/>
-        <p:cNvGrpSpPr/>
-        <p:nvPr/>
-      </p:nvGrpSpPr>
-      <p:grpSpPr>
-        <a:xfrm>
-          <a:off x="0" y="0"/>
-          <a:ext cx="0" cy="0"/>
-          <a:chOff x="0" y="0"/>
-          <a:chExt cx="0" cy="0"/>
-        </a:xfrm>
-      </p:grpSpPr>
-      <p:sp>
-        <p:nvSpPr>
-          <p:cNvPr id="2" name="Title 1"/>
-          <p:cNvSpPr>
-            <a:spLocks noGrp="1"/>
-          </p:cNvSpPr>
-          <p:nvPr>
-            <p:ph type="title"/>
-          </p:nvPr>
-        </p:nvSpPr>
-        <p:spPr/>
-        <p:txBody>
-          <a:bodyPr/>
-          <a:lstStyle/>
-          <a:p>
-            <a:r>
-              <a:rPr lang="en-US" dirty="0"/>
-              <a:t>MEC in O-RAN</a:t>
-            </a:r>
-          </a:p>
-        </p:txBody>
-      </p:sp>
-      <p:sp>
-        <p:nvSpPr>
-          <p:cNvPr id="3" name="Content Placeholder 2"/>
-          <p:cNvSpPr>
-            <a:spLocks noGrp="1"/>
-          </p:cNvSpPr>
-          <p:nvPr>
-            <p:ph idx="1"/>
-          </p:nvPr>
-        </p:nvSpPr>
-        <p:spPr>
-          <a:xfrm>
-            <a:off x="1403148" y="2495006"/>
-            <a:ext cx="9478212" cy="3694611"/>
-          </a:xfrm>
-        </p:spPr>
-        <p:txBody>
-          <a:bodyPr>
-            <a:normAutofit/>
-          </a:bodyPr>
-          <a:lstStyle/>
-          <a:p>
-            <a:r>
-              <a:rPr lang="en-US" dirty="0"/>
-              <a:t>In this section we detail the different components needed for realizing the MEC solution over the </a:t>
-            </a:r>
-            <a:r>
-              <a:rPr lang="en-US" dirty="0" err="1"/>
-              <a:t>fronthaul</a:t>
-            </a:r>
-            <a:r>
-              <a:rPr lang="en-US" dirty="0"/>
-              <a:t> interface. We use as our starting point the F1oIP implementation of the CU/DU split, detailed in </a:t>
-            </a:r>
-            <a:r>
-              <a:rPr lang="en-US" dirty="0" smtClean="0"/>
-              <a:t> </a:t>
-            </a:r>
-            <a:r>
-              <a:rPr lang="en-US" dirty="0"/>
-              <a:t>and extend it accordingly in order to enable the MEC operation. The implementation is introducing a new signaling mode between the PDCP and RLC layers, resembling the F1AP standardized interface for the communication between CUs and DUs. Originally, F1AP is handling data plane packets over GTP tunnels, established for each served UE of the system. The F1oIP implementation is using UDP/TCP interfaces in order to exchange the traffic between the CUs and DUs, including also some signaling information on the packet headers that is ordinarily exchanged between the PDCP and RLC layers (e.g. DRB/SRB allocation, frame/</a:t>
-            </a:r>
-            <a:r>
-              <a:rPr lang="en-US" dirty="0" err="1"/>
-              <a:t>subframe</a:t>
-            </a:r>
-            <a:r>
-              <a:rPr lang="en-US" dirty="0"/>
-              <a:t> scheduling, protocol context, etc.). The following sections describe the new packet headers that are introduced over the F1oIP interface, and how they allow applications directly connected to the </a:t>
-            </a:r>
-            <a:r>
-              <a:rPr lang="en-US" dirty="0" err="1"/>
-              <a:t>fronthaul</a:t>
-            </a:r>
-            <a:r>
-              <a:rPr lang="en-US" dirty="0"/>
-              <a:t> interface handle data-plane user-directed traffic.</a:t>
-            </a:r>
-          </a:p>
-        </p:txBody>
-      </p:sp>
-      <p:sp>
-        <p:nvSpPr>
-          <p:cNvPr id="4" name="Slide Number Placeholder 3"/>
-          <p:cNvSpPr>
-            <a:spLocks noGrp="1"/>
-          </p:cNvSpPr>
-          <p:nvPr>
-            <p:ph type="sldNum" sz="quarter" idx="12"/>
-          </p:nvPr>
-        </p:nvSpPr>
-        <p:spPr/>
-        <p:txBody>
-          <a:bodyPr/>
-          <a:lstStyle/>
-          <a:p>
-            <a:fld id="{578025A5-B869-46FF-95AC-69EC79E0F0A5}" type="slidenum">
-              <a:rPr lang="en-US" smtClean="0"/>
-              <a:pPr/>
               <a:t>11</a:t>
             </a:fld>
             <a:endParaRPr lang="en-US" dirty="0">
@@ -14036,7 +13991,7 @@
     </p:spTree>
     <p:extLst>
       <p:ext uri="{BB962C8B-B14F-4D97-AF65-F5344CB8AC3E}">
-        <p14:creationId xmlns:p14="http://schemas.microsoft.com/office/powerpoint/2010/main" val="489218409"/>
+        <p14:creationId xmlns:p14="http://schemas.microsoft.com/office/powerpoint/2010/main" val="3441613405"/>
       </p:ext>
     </p:extLst>
   </p:cSld>
@@ -14078,7 +14033,10 @@
           <a:bodyPr/>
           <a:lstStyle/>
           <a:p>
-            <a:endParaRPr lang="en-US"/>
+            <a:r>
+              <a:rPr lang="en-US" dirty="0"/>
+              <a:t>MEC in O-RAN</a:t>
+            </a:r>
           </a:p>
         </p:txBody>
       </p:sp>
@@ -14092,12 +14050,46 @@
             <p:ph idx="1"/>
           </p:nvPr>
         </p:nvSpPr>
-        <p:spPr/>
+        <p:spPr>
+          <a:xfrm>
+            <a:off x="1403148" y="2495006"/>
+            <a:ext cx="9478212" cy="3694611"/>
+          </a:xfrm>
+        </p:spPr>
         <p:txBody>
-          <a:bodyPr/>
+          <a:bodyPr>
+            <a:normAutofit/>
+          </a:bodyPr>
           <a:lstStyle/>
           <a:p>
-            <a:endParaRPr lang="en-US"/>
+            <a:r>
+              <a:rPr lang="en-US" dirty="0"/>
+              <a:t>In this section we detail the different components needed for realizing the MEC solution over the </a:t>
+            </a:r>
+            <a:r>
+              <a:rPr lang="en-US" dirty="0" err="1"/>
+              <a:t>fronthaul</a:t>
+            </a:r>
+            <a:r>
+              <a:rPr lang="en-US" dirty="0"/>
+              <a:t> interface. We use as our starting point the F1oIP implementation of the CU/DU split, detailed in  and extend it accordingly in order to enable the MEC operation. The implementation is introducing a new signaling mode between the PDCP and RLC layers, resembling the F1AP standardized interface for the communication between CUs and DUs. Originally, F1AP is handling data plane packets over GTP tunnels, established for each served UE of the system. The F1oIP implementation is using UDP/TCP interfaces in order to exchange the traffic between the CUs and DUs, including also some signaling information on the packet headers that is ordinarily exchanged between the PDCP and RLC layers (e.g. DRB/SRB allocation, frame/</a:t>
+            </a:r>
+            <a:r>
+              <a:rPr lang="en-US" dirty="0" err="1"/>
+              <a:t>subframe</a:t>
+            </a:r>
+            <a:r>
+              <a:rPr lang="en-US" dirty="0"/>
+              <a:t> scheduling, protocol context, etc.). The following sections describe the new packet headers that are introduced over the F1oIP interface, and how they allow applications directly connected to the </a:t>
+            </a:r>
+            <a:r>
+              <a:rPr lang="en-US" dirty="0" err="1"/>
+              <a:t>fronthaul</a:t>
+            </a:r>
+            <a:r>
+              <a:rPr lang="en-US" dirty="0"/>
+              <a:t> interface handle data-plane user-directed traffic.</a:t>
+            </a:r>
           </a:p>
         </p:txBody>
       </p:sp>
@@ -14131,7 +14123,898 @@
     </p:spTree>
     <p:extLst>
       <p:ext uri="{BB962C8B-B14F-4D97-AF65-F5344CB8AC3E}">
-        <p14:creationId xmlns:p14="http://schemas.microsoft.com/office/powerpoint/2010/main" val="3380912104"/>
+        <p14:creationId xmlns:p14="http://schemas.microsoft.com/office/powerpoint/2010/main" val="489218409"/>
+      </p:ext>
+    </p:extLst>
+  </p:cSld>
+  <p:clrMapOvr>
+    <a:masterClrMapping/>
+  </p:clrMapOvr>
+</p:sld>
+</file>
+
+<file path=ppt/slides/slide13.xml><?xml version="1.0" encoding="utf-8"?>
+<p:sld xmlns:a="http://schemas.openxmlformats.org/drawingml/2006/main" xmlns:r="http://schemas.openxmlformats.org/officeDocument/2006/relationships" xmlns:p="http://schemas.openxmlformats.org/presentationml/2006/main">
+  <p:cSld>
+    <p:spTree>
+      <p:nvGrpSpPr>
+        <p:cNvPr id="1" name=""/>
+        <p:cNvGrpSpPr/>
+        <p:nvPr/>
+      </p:nvGrpSpPr>
+      <p:grpSpPr>
+        <a:xfrm>
+          <a:off x="0" y="0"/>
+          <a:ext cx="0" cy="0"/>
+          <a:chOff x="0" y="0"/>
+          <a:chExt cx="0" cy="0"/>
+        </a:xfrm>
+      </p:grpSpPr>
+      <p:sp>
+        <p:nvSpPr>
+          <p:cNvPr id="2" name="Slide Number Placeholder 1">
+            <a:extLst>
+              <a:ext uri="{FF2B5EF4-FFF2-40B4-BE49-F238E27FC236}">
+                <a16:creationId xmlns:a16="http://schemas.microsoft.com/office/drawing/2014/main" id="{DD8D4C60-490B-477D-A22B-766B4FA5E93C}"/>
+              </a:ext>
+            </a:extLst>
+          </p:cNvPr>
+          <p:cNvSpPr>
+            <a:spLocks noGrp="1"/>
+          </p:cNvSpPr>
+          <p:nvPr>
+            <p:ph type="sldNum" sz="quarter" idx="12"/>
+          </p:nvPr>
+        </p:nvSpPr>
+        <p:spPr/>
+        <p:txBody>
+          <a:bodyPr/>
+          <a:lstStyle/>
+          <a:p>
+            <a:fld id="{578025A5-B869-46FF-95AC-69EC79E0F0A5}" type="slidenum">
+              <a:rPr lang="en-US" smtClean="0"/>
+              <a:t>13</a:t>
+            </a:fld>
+            <a:endParaRPr lang="en-US"/>
+          </a:p>
+        </p:txBody>
+      </p:sp>
+      <p:pic>
+        <p:nvPicPr>
+          <p:cNvPr id="4" name="Picture 3">
+            <a:extLst>
+              <a:ext uri="{FF2B5EF4-FFF2-40B4-BE49-F238E27FC236}">
+                <a16:creationId xmlns:a16="http://schemas.microsoft.com/office/drawing/2014/main" id="{521DB28D-84BD-45E1-B7A6-07282FE7D79B}"/>
+              </a:ext>
+            </a:extLst>
+          </p:cNvPr>
+          <p:cNvPicPr>
+            <a:picLocks noChangeAspect="1"/>
+          </p:cNvPicPr>
+          <p:nvPr/>
+        </p:nvPicPr>
+        <p:blipFill>
+          <a:blip r:embed="rId2">
+            <a:extLst>
+              <a:ext uri="{28A0092B-C50C-407E-A947-70E740481C1C}">
+                <a14:useLocalDpi xmlns:a14="http://schemas.microsoft.com/office/drawing/2010/main" val="0"/>
+              </a:ext>
+            </a:extLst>
+          </a:blip>
+          <a:stretch>
+            <a:fillRect/>
+          </a:stretch>
+        </p:blipFill>
+        <p:spPr>
+          <a:xfrm>
+            <a:off x="1785770" y="1192534"/>
+            <a:ext cx="7799816" cy="4472932"/>
+          </a:xfrm>
+          <a:prstGeom prst="rect">
+            <a:avLst/>
+          </a:prstGeom>
+        </p:spPr>
+      </p:pic>
+    </p:spTree>
+    <p:extLst>
+      <p:ext uri="{BB962C8B-B14F-4D97-AF65-F5344CB8AC3E}">
+        <p14:creationId xmlns:p14="http://schemas.microsoft.com/office/powerpoint/2010/main" val="4234788072"/>
+      </p:ext>
+    </p:extLst>
+  </p:cSld>
+  <p:clrMapOvr>
+    <a:masterClrMapping/>
+  </p:clrMapOvr>
+</p:sld>
+</file>
+
+<file path=ppt/slides/slide14.xml><?xml version="1.0" encoding="utf-8"?>
+<p:sld xmlns:a="http://schemas.openxmlformats.org/drawingml/2006/main" xmlns:r="http://schemas.openxmlformats.org/officeDocument/2006/relationships" xmlns:p="http://schemas.openxmlformats.org/presentationml/2006/main">
+  <p:cSld>
+    <p:spTree>
+      <p:nvGrpSpPr>
+        <p:cNvPr id="1" name=""/>
+        <p:cNvGrpSpPr/>
+        <p:nvPr/>
+      </p:nvGrpSpPr>
+      <p:grpSpPr>
+        <a:xfrm>
+          <a:off x="0" y="0"/>
+          <a:ext cx="0" cy="0"/>
+          <a:chOff x="0" y="0"/>
+          <a:chExt cx="0" cy="0"/>
+        </a:xfrm>
+      </p:grpSpPr>
+      <p:sp>
+        <p:nvSpPr>
+          <p:cNvPr id="2" name="Slide Number Placeholder 1">
+            <a:extLst>
+              <a:ext uri="{FF2B5EF4-FFF2-40B4-BE49-F238E27FC236}">
+                <a16:creationId xmlns:a16="http://schemas.microsoft.com/office/drawing/2014/main" id="{FE04D4AE-D454-41FD-9CD2-F25BAFCBE751}"/>
+              </a:ext>
+            </a:extLst>
+          </p:cNvPr>
+          <p:cNvSpPr>
+            <a:spLocks noGrp="1"/>
+          </p:cNvSpPr>
+          <p:nvPr>
+            <p:ph type="sldNum" sz="quarter" idx="12"/>
+          </p:nvPr>
+        </p:nvSpPr>
+        <p:spPr/>
+        <p:txBody>
+          <a:bodyPr/>
+          <a:lstStyle/>
+          <a:p>
+            <a:fld id="{578025A5-B869-46FF-95AC-69EC79E0F0A5}" type="slidenum">
+              <a:rPr lang="en-US" smtClean="0"/>
+              <a:t>14</a:t>
+            </a:fld>
+            <a:endParaRPr lang="en-US"/>
+          </a:p>
+        </p:txBody>
+      </p:sp>
+      <p:pic>
+        <p:nvPicPr>
+          <p:cNvPr id="4" name="Picture 3">
+            <a:extLst>
+              <a:ext uri="{FF2B5EF4-FFF2-40B4-BE49-F238E27FC236}">
+                <a16:creationId xmlns:a16="http://schemas.microsoft.com/office/drawing/2014/main" id="{EFDEF4C2-0907-4D04-A175-9A238297D556}"/>
+              </a:ext>
+            </a:extLst>
+          </p:cNvPr>
+          <p:cNvPicPr>
+            <a:picLocks noChangeAspect="1"/>
+          </p:cNvPicPr>
+          <p:nvPr/>
+        </p:nvPicPr>
+        <p:blipFill>
+          <a:blip r:embed="rId2"/>
+          <a:stretch>
+            <a:fillRect/>
+          </a:stretch>
+        </p:blipFill>
+        <p:spPr>
+          <a:xfrm>
+            <a:off x="419548" y="1862030"/>
+            <a:ext cx="10896600" cy="4248150"/>
+          </a:xfrm>
+          <a:prstGeom prst="rect">
+            <a:avLst/>
+          </a:prstGeom>
+        </p:spPr>
+      </p:pic>
+    </p:spTree>
+    <p:extLst>
+      <p:ext uri="{BB962C8B-B14F-4D97-AF65-F5344CB8AC3E}">
+        <p14:creationId xmlns:p14="http://schemas.microsoft.com/office/powerpoint/2010/main" val="4260515591"/>
+      </p:ext>
+    </p:extLst>
+  </p:cSld>
+  <p:clrMapOvr>
+    <a:masterClrMapping/>
+  </p:clrMapOvr>
+</p:sld>
+</file>
+
+<file path=ppt/slides/slide15.xml><?xml version="1.0" encoding="utf-8"?>
+<p:sld xmlns:a="http://schemas.openxmlformats.org/drawingml/2006/main" xmlns:r="http://schemas.openxmlformats.org/officeDocument/2006/relationships" xmlns:p="http://schemas.openxmlformats.org/presentationml/2006/main">
+  <p:cSld>
+    <p:spTree>
+      <p:nvGrpSpPr>
+        <p:cNvPr id="1" name=""/>
+        <p:cNvGrpSpPr/>
+        <p:nvPr/>
+      </p:nvGrpSpPr>
+      <p:grpSpPr>
+        <a:xfrm>
+          <a:off x="0" y="0"/>
+          <a:ext cx="0" cy="0"/>
+          <a:chOff x="0" y="0"/>
+          <a:chExt cx="0" cy="0"/>
+        </a:xfrm>
+      </p:grpSpPr>
+      <p:sp>
+        <p:nvSpPr>
+          <p:cNvPr id="2" name="Slide Number Placeholder 1">
+            <a:extLst>
+              <a:ext uri="{FF2B5EF4-FFF2-40B4-BE49-F238E27FC236}">
+                <a16:creationId xmlns:a16="http://schemas.microsoft.com/office/drawing/2014/main" id="{E31B019E-2157-464D-AFD0-E143F1508457}"/>
+              </a:ext>
+            </a:extLst>
+          </p:cNvPr>
+          <p:cNvSpPr>
+            <a:spLocks noGrp="1"/>
+          </p:cNvSpPr>
+          <p:nvPr>
+            <p:ph type="sldNum" sz="quarter" idx="12"/>
+          </p:nvPr>
+        </p:nvSpPr>
+        <p:spPr/>
+        <p:txBody>
+          <a:bodyPr/>
+          <a:lstStyle/>
+          <a:p>
+            <a:fld id="{578025A5-B869-46FF-95AC-69EC79E0F0A5}" type="slidenum">
+              <a:rPr lang="en-US" smtClean="0"/>
+              <a:t>15</a:t>
+            </a:fld>
+            <a:endParaRPr lang="en-US"/>
+          </a:p>
+        </p:txBody>
+      </p:sp>
+      <p:pic>
+        <p:nvPicPr>
+          <p:cNvPr id="3" name="Picture 2">
+            <a:extLst>
+              <a:ext uri="{FF2B5EF4-FFF2-40B4-BE49-F238E27FC236}">
+                <a16:creationId xmlns:a16="http://schemas.microsoft.com/office/drawing/2014/main" id="{4D284A77-008F-4517-8461-4DB28C649635}"/>
+              </a:ext>
+            </a:extLst>
+          </p:cNvPr>
+          <p:cNvPicPr>
+            <a:picLocks noChangeAspect="1"/>
+          </p:cNvPicPr>
+          <p:nvPr/>
+        </p:nvPicPr>
+        <p:blipFill>
+          <a:blip r:embed="rId2"/>
+          <a:stretch>
+            <a:fillRect/>
+          </a:stretch>
+        </p:blipFill>
+        <p:spPr>
+          <a:xfrm>
+            <a:off x="552450" y="3781425"/>
+            <a:ext cx="10782300" cy="3076575"/>
+          </a:xfrm>
+          <a:prstGeom prst="rect">
+            <a:avLst/>
+          </a:prstGeom>
+        </p:spPr>
+      </p:pic>
+      <p:pic>
+        <p:nvPicPr>
+          <p:cNvPr id="4" name="Picture 3">
+            <a:extLst>
+              <a:ext uri="{FF2B5EF4-FFF2-40B4-BE49-F238E27FC236}">
+                <a16:creationId xmlns:a16="http://schemas.microsoft.com/office/drawing/2014/main" id="{C61FDE7C-3DE3-4E9A-8CF4-D39044759956}"/>
+              </a:ext>
+            </a:extLst>
+          </p:cNvPr>
+          <p:cNvPicPr>
+            <a:picLocks noChangeAspect="1"/>
+          </p:cNvPicPr>
+          <p:nvPr/>
+        </p:nvPicPr>
+        <p:blipFill>
+          <a:blip r:embed="rId3"/>
+          <a:stretch>
+            <a:fillRect/>
+          </a:stretch>
+        </p:blipFill>
+        <p:spPr>
+          <a:xfrm>
+            <a:off x="704850" y="955459"/>
+            <a:ext cx="10934700" cy="2828925"/>
+          </a:xfrm>
+          <a:prstGeom prst="rect">
+            <a:avLst/>
+          </a:prstGeom>
+        </p:spPr>
+      </p:pic>
+    </p:spTree>
+    <p:extLst>
+      <p:ext uri="{BB962C8B-B14F-4D97-AF65-F5344CB8AC3E}">
+        <p14:creationId xmlns:p14="http://schemas.microsoft.com/office/powerpoint/2010/main" val="2267376801"/>
+      </p:ext>
+    </p:extLst>
+  </p:cSld>
+  <p:clrMapOvr>
+    <a:masterClrMapping/>
+  </p:clrMapOvr>
+</p:sld>
+</file>
+
+<file path=ppt/slides/slide16.xml><?xml version="1.0" encoding="utf-8"?>
+<p:sld xmlns:a="http://schemas.openxmlformats.org/drawingml/2006/main" xmlns:r="http://schemas.openxmlformats.org/officeDocument/2006/relationships" xmlns:p="http://schemas.openxmlformats.org/presentationml/2006/main">
+  <p:cSld>
+    <p:spTree>
+      <p:nvGrpSpPr>
+        <p:cNvPr id="1" name=""/>
+        <p:cNvGrpSpPr/>
+        <p:nvPr/>
+      </p:nvGrpSpPr>
+      <p:grpSpPr>
+        <a:xfrm>
+          <a:off x="0" y="0"/>
+          <a:ext cx="0" cy="0"/>
+          <a:chOff x="0" y="0"/>
+          <a:chExt cx="0" cy="0"/>
+        </a:xfrm>
+      </p:grpSpPr>
+      <p:sp>
+        <p:nvSpPr>
+          <p:cNvPr id="2" name="Title 1">
+            <a:extLst>
+              <a:ext uri="{FF2B5EF4-FFF2-40B4-BE49-F238E27FC236}">
+                <a16:creationId xmlns:a16="http://schemas.microsoft.com/office/drawing/2014/main" id="{6D9A580F-0A0F-4A3B-8979-E59038105630}"/>
+              </a:ext>
+            </a:extLst>
+          </p:cNvPr>
+          <p:cNvSpPr>
+            <a:spLocks noGrp="1"/>
+          </p:cNvSpPr>
+          <p:nvPr>
+            <p:ph type="title"/>
+          </p:nvPr>
+        </p:nvSpPr>
+        <p:spPr/>
+        <p:txBody>
+          <a:bodyPr/>
+          <a:lstStyle/>
+          <a:p>
+            <a:r>
+              <a:rPr lang="en-US" dirty="0"/>
+              <a:t>Service Type</a:t>
+            </a:r>
+          </a:p>
+        </p:txBody>
+      </p:sp>
+      <p:pic>
+        <p:nvPicPr>
+          <p:cNvPr id="5" name="Content Placeholder 4">
+            <a:extLst>
+              <a:ext uri="{FF2B5EF4-FFF2-40B4-BE49-F238E27FC236}">
+                <a16:creationId xmlns:a16="http://schemas.microsoft.com/office/drawing/2014/main" id="{FE2BB412-E647-4E5D-89B0-4114B33583FD}"/>
+              </a:ext>
+            </a:extLst>
+          </p:cNvPr>
+          <p:cNvPicPr>
+            <a:picLocks noGrp="1" noChangeAspect="1"/>
+          </p:cNvPicPr>
+          <p:nvPr>
+            <p:ph idx="1"/>
+          </p:nvPr>
+        </p:nvPicPr>
+        <p:blipFill>
+          <a:blip r:embed="rId2"/>
+          <a:stretch>
+            <a:fillRect/>
+          </a:stretch>
+        </p:blipFill>
+        <p:spPr>
+          <a:xfrm>
+            <a:off x="1155700" y="3134995"/>
+            <a:ext cx="8824913" cy="2353310"/>
+          </a:xfrm>
+          <a:prstGeom prst="rect">
+            <a:avLst/>
+          </a:prstGeom>
+        </p:spPr>
+      </p:pic>
+      <p:sp>
+        <p:nvSpPr>
+          <p:cNvPr id="4" name="Slide Number Placeholder 3">
+            <a:extLst>
+              <a:ext uri="{FF2B5EF4-FFF2-40B4-BE49-F238E27FC236}">
+                <a16:creationId xmlns:a16="http://schemas.microsoft.com/office/drawing/2014/main" id="{B71A9E3E-CF54-46D1-9CF3-1193460D073C}"/>
+              </a:ext>
+            </a:extLst>
+          </p:cNvPr>
+          <p:cNvSpPr>
+            <a:spLocks noGrp="1"/>
+          </p:cNvSpPr>
+          <p:nvPr>
+            <p:ph type="sldNum" sz="quarter" idx="12"/>
+          </p:nvPr>
+        </p:nvSpPr>
+        <p:spPr/>
+        <p:txBody>
+          <a:bodyPr/>
+          <a:lstStyle/>
+          <a:p>
+            <a:fld id="{578025A5-B869-46FF-95AC-69EC79E0F0A5}" type="slidenum">
+              <a:rPr lang="en-US" smtClean="0"/>
+              <a:pPr/>
+              <a:t>16</a:t>
+            </a:fld>
+            <a:endParaRPr lang="en-US" dirty="0">
+              <a:latin typeface="Times New Roman" panose="02020603050405020304" pitchFamily="18" charset="0"/>
+              <a:cs typeface="Times New Roman" panose="02020603050405020304" pitchFamily="18" charset="0"/>
+            </a:endParaRPr>
+          </a:p>
+        </p:txBody>
+      </p:sp>
+    </p:spTree>
+    <p:extLst>
+      <p:ext uri="{BB962C8B-B14F-4D97-AF65-F5344CB8AC3E}">
+        <p14:creationId xmlns:p14="http://schemas.microsoft.com/office/powerpoint/2010/main" val="2032318166"/>
+      </p:ext>
+    </p:extLst>
+  </p:cSld>
+  <p:clrMapOvr>
+    <a:masterClrMapping/>
+  </p:clrMapOvr>
+</p:sld>
+</file>
+
+<file path=ppt/slides/slide17.xml><?xml version="1.0" encoding="utf-8"?>
+<p:sld xmlns:a="http://schemas.openxmlformats.org/drawingml/2006/main" xmlns:r="http://schemas.openxmlformats.org/officeDocument/2006/relationships" xmlns:p="http://schemas.openxmlformats.org/presentationml/2006/main">
+  <p:cSld>
+    <p:spTree>
+      <p:nvGrpSpPr>
+        <p:cNvPr id="1" name=""/>
+        <p:cNvGrpSpPr/>
+        <p:nvPr/>
+      </p:nvGrpSpPr>
+      <p:grpSpPr>
+        <a:xfrm>
+          <a:off x="0" y="0"/>
+          <a:ext cx="0" cy="0"/>
+          <a:chOff x="0" y="0"/>
+          <a:chExt cx="0" cy="0"/>
+        </a:xfrm>
+      </p:grpSpPr>
+      <p:sp>
+        <p:nvSpPr>
+          <p:cNvPr id="2" name="Title 1">
+            <a:extLst>
+              <a:ext uri="{FF2B5EF4-FFF2-40B4-BE49-F238E27FC236}">
+                <a16:creationId xmlns:a16="http://schemas.microsoft.com/office/drawing/2014/main" id="{6F92C3B4-A51E-4958-A95E-9E6864F721E7}"/>
+              </a:ext>
+            </a:extLst>
+          </p:cNvPr>
+          <p:cNvSpPr>
+            <a:spLocks noGrp="1"/>
+          </p:cNvSpPr>
+          <p:nvPr>
+            <p:ph type="title"/>
+          </p:nvPr>
+        </p:nvSpPr>
+        <p:spPr/>
+        <p:txBody>
+          <a:bodyPr/>
+          <a:lstStyle/>
+          <a:p>
+            <a:r>
+              <a:rPr lang="en-US" sz="3600" b="0" i="0" dirty="0">
+                <a:solidFill>
+                  <a:schemeClr val="bg1"/>
+                </a:solidFill>
+                <a:effectLst/>
+                <a:latin typeface="TimesNewRomanPSMT"/>
+              </a:rPr>
+              <a:t>MEC architecture</a:t>
+            </a:r>
+            <a:endParaRPr lang="en-US" dirty="0">
+              <a:solidFill>
+                <a:schemeClr val="bg1"/>
+              </a:solidFill>
+            </a:endParaRPr>
+          </a:p>
+        </p:txBody>
+      </p:sp>
+      <p:sp>
+        <p:nvSpPr>
+          <p:cNvPr id="3" name="Content Placeholder 2">
+            <a:extLst>
+              <a:ext uri="{FF2B5EF4-FFF2-40B4-BE49-F238E27FC236}">
+                <a16:creationId xmlns:a16="http://schemas.microsoft.com/office/drawing/2014/main" id="{65D0F0FE-AC98-4179-B0F4-253AEC96790E}"/>
+              </a:ext>
+            </a:extLst>
+          </p:cNvPr>
+          <p:cNvSpPr>
+            <a:spLocks noGrp="1"/>
+          </p:cNvSpPr>
+          <p:nvPr>
+            <p:ph idx="1"/>
+          </p:nvPr>
+        </p:nvSpPr>
+        <p:spPr/>
+        <p:txBody>
+          <a:bodyPr>
+            <a:normAutofit/>
+          </a:bodyPr>
+          <a:lstStyle/>
+          <a:p>
+            <a:r>
+              <a:rPr lang="en-US" sz="1800" b="0" i="0" dirty="0">
+                <a:solidFill>
+                  <a:srgbClr val="000000"/>
+                </a:solidFill>
+                <a:effectLst/>
+                <a:latin typeface="TimesNewRomanPSMT"/>
+              </a:rPr>
+              <a:t>MEC architecture enables cloud computing capabilities</a:t>
+            </a:r>
+            <a:br>
+              <a:rPr lang="en-US" sz="1800" b="0" i="0" dirty="0">
+                <a:solidFill>
+                  <a:srgbClr val="000000"/>
+                </a:solidFill>
+                <a:effectLst/>
+                <a:latin typeface="TimesNewRomanPSMT"/>
+              </a:rPr>
+            </a:br>
+            <a:r>
+              <a:rPr lang="en-US" sz="1800" b="0" i="0" dirty="0">
+                <a:solidFill>
+                  <a:srgbClr val="000000"/>
+                </a:solidFill>
+                <a:effectLst/>
+                <a:latin typeface="TimesNewRomanPSMT"/>
+              </a:rPr>
+              <a:t>close to users or at the network edge . </a:t>
+            </a:r>
+          </a:p>
+          <a:p>
+            <a:pPr lvl="1"/>
+            <a:r>
+              <a:rPr lang="en-US" sz="1800" b="0" i="0" dirty="0">
+                <a:solidFill>
+                  <a:srgbClr val="000000"/>
+                </a:solidFill>
+                <a:effectLst/>
+              </a:rPr>
+              <a:t>the computing capabilities are pushed closer to the radio access </a:t>
+            </a:r>
+            <a:br>
+              <a:rPr lang="en-US" dirty="0"/>
+            </a:br>
+            <a:endParaRPr lang="en-US" b="0" i="0" dirty="0">
+              <a:solidFill>
+                <a:srgbClr val="000000"/>
+              </a:solidFill>
+              <a:effectLst/>
+              <a:latin typeface="TimesNewRomanPSMT"/>
+            </a:endParaRPr>
+          </a:p>
+          <a:p>
+            <a:r>
+              <a:rPr lang="en-US" sz="1800" b="0" i="0" dirty="0">
+                <a:solidFill>
+                  <a:srgbClr val="000000"/>
+                </a:solidFill>
+                <a:effectLst/>
+                <a:latin typeface="TimesNewRomanPSMT"/>
+              </a:rPr>
+              <a:t>Edge refers to the DCs close to the RAN. The edge computing reduces core network traffic, </a:t>
+            </a:r>
+            <a:r>
+              <a:rPr lang="en-US" sz="1800" b="0" i="0" dirty="0" err="1">
+                <a:solidFill>
+                  <a:srgbClr val="000000"/>
+                </a:solidFill>
+                <a:effectLst/>
+                <a:latin typeface="TimesNewRomanPSMT"/>
+              </a:rPr>
+              <a:t>signalling</a:t>
+            </a:r>
+            <a:r>
+              <a:rPr lang="en-US" sz="1800" b="0" i="0" dirty="0">
+                <a:solidFill>
+                  <a:srgbClr val="000000"/>
+                </a:solidFill>
+                <a:effectLst/>
+                <a:latin typeface="TimesNewRomanPSMT"/>
+              </a:rPr>
+              <a:t> load and end–to-end latency thus improving service environment and user experience. </a:t>
+            </a:r>
+          </a:p>
+          <a:p>
+            <a:r>
+              <a:rPr lang="en-US" sz="1800" b="0" i="0" dirty="0">
+                <a:solidFill>
+                  <a:srgbClr val="000000"/>
+                </a:solidFill>
+                <a:effectLst/>
+                <a:latin typeface="TimesNewRomanPSMT"/>
+              </a:rPr>
+              <a:t>MEC can expand both coverage and bandwidth as information processing is done locally instead of cloud based or remote DCs.</a:t>
+            </a:r>
+            <a:r>
+              <a:rPr lang="en-US" dirty="0"/>
+              <a:t> </a:t>
+            </a:r>
+            <a:br>
+              <a:rPr lang="en-US" dirty="0"/>
+            </a:br>
+            <a:endParaRPr lang="en-US" dirty="0"/>
+          </a:p>
+        </p:txBody>
+      </p:sp>
+      <p:sp>
+        <p:nvSpPr>
+          <p:cNvPr id="4" name="Slide Number Placeholder 3">
+            <a:extLst>
+              <a:ext uri="{FF2B5EF4-FFF2-40B4-BE49-F238E27FC236}">
+                <a16:creationId xmlns:a16="http://schemas.microsoft.com/office/drawing/2014/main" id="{74B4AE62-0430-4A7F-9C56-CB9A7BEF0CB7}"/>
+              </a:ext>
+            </a:extLst>
+          </p:cNvPr>
+          <p:cNvSpPr>
+            <a:spLocks noGrp="1"/>
+          </p:cNvSpPr>
+          <p:nvPr>
+            <p:ph type="sldNum" sz="quarter" idx="12"/>
+          </p:nvPr>
+        </p:nvSpPr>
+        <p:spPr/>
+        <p:txBody>
+          <a:bodyPr/>
+          <a:lstStyle/>
+          <a:p>
+            <a:fld id="{578025A5-B869-46FF-95AC-69EC79E0F0A5}" type="slidenum">
+              <a:rPr lang="en-US" smtClean="0"/>
+              <a:pPr/>
+              <a:t>17</a:t>
+            </a:fld>
+            <a:endParaRPr lang="en-US" dirty="0">
+              <a:latin typeface="Times New Roman" panose="02020603050405020304" pitchFamily="18" charset="0"/>
+              <a:cs typeface="Times New Roman" panose="02020603050405020304" pitchFamily="18" charset="0"/>
+            </a:endParaRPr>
+          </a:p>
+        </p:txBody>
+      </p:sp>
+    </p:spTree>
+    <p:extLst>
+      <p:ext uri="{BB962C8B-B14F-4D97-AF65-F5344CB8AC3E}">
+        <p14:creationId xmlns:p14="http://schemas.microsoft.com/office/powerpoint/2010/main" val="1640226442"/>
+      </p:ext>
+    </p:extLst>
+  </p:cSld>
+  <p:clrMapOvr>
+    <a:masterClrMapping/>
+  </p:clrMapOvr>
+</p:sld>
+</file>
+
+<file path=ppt/slides/slide18.xml><?xml version="1.0" encoding="utf-8"?>
+<p:sld xmlns:a="http://schemas.openxmlformats.org/drawingml/2006/main" xmlns:r="http://schemas.openxmlformats.org/officeDocument/2006/relationships" xmlns:p="http://schemas.openxmlformats.org/presentationml/2006/main">
+  <p:cSld>
+    <p:spTree>
+      <p:nvGrpSpPr>
+        <p:cNvPr id="1" name=""/>
+        <p:cNvGrpSpPr/>
+        <p:nvPr/>
+      </p:nvGrpSpPr>
+      <p:grpSpPr>
+        <a:xfrm>
+          <a:off x="0" y="0"/>
+          <a:ext cx="0" cy="0"/>
+          <a:chOff x="0" y="0"/>
+          <a:chExt cx="0" cy="0"/>
+        </a:xfrm>
+      </p:grpSpPr>
+      <p:sp>
+        <p:nvSpPr>
+          <p:cNvPr id="2" name="Title 1">
+            <a:extLst>
+              <a:ext uri="{FF2B5EF4-FFF2-40B4-BE49-F238E27FC236}">
+                <a16:creationId xmlns:a16="http://schemas.microsoft.com/office/drawing/2014/main" id="{29C0ED37-BD1E-4CEE-8B52-E6C79FED46C8}"/>
+              </a:ext>
+            </a:extLst>
+          </p:cNvPr>
+          <p:cNvSpPr>
+            <a:spLocks noGrp="1"/>
+          </p:cNvSpPr>
+          <p:nvPr>
+            <p:ph type="title"/>
+          </p:nvPr>
+        </p:nvSpPr>
+        <p:spPr/>
+        <p:txBody>
+          <a:bodyPr/>
+          <a:lstStyle/>
+          <a:p>
+            <a:endParaRPr lang="en-US"/>
+          </a:p>
+        </p:txBody>
+      </p:sp>
+      <p:sp>
+        <p:nvSpPr>
+          <p:cNvPr id="3" name="Content Placeholder 2">
+            <a:extLst>
+              <a:ext uri="{FF2B5EF4-FFF2-40B4-BE49-F238E27FC236}">
+                <a16:creationId xmlns:a16="http://schemas.microsoft.com/office/drawing/2014/main" id="{28234F94-D9A4-4D54-BFBF-F50E2F62F0B7}"/>
+              </a:ext>
+            </a:extLst>
+          </p:cNvPr>
+          <p:cNvSpPr>
+            <a:spLocks noGrp="1"/>
+          </p:cNvSpPr>
+          <p:nvPr>
+            <p:ph idx="1"/>
+          </p:nvPr>
+        </p:nvSpPr>
+        <p:spPr/>
+        <p:txBody>
+          <a:bodyPr/>
+          <a:lstStyle/>
+          <a:p>
+            <a:r>
+              <a:rPr lang="en-US" sz="1800" b="0" i="0" dirty="0">
+                <a:solidFill>
+                  <a:srgbClr val="000000"/>
+                </a:solidFill>
+                <a:effectLst/>
+                <a:latin typeface="TimesNewRomanPSMT"/>
+              </a:rPr>
+              <a:t>MEC can expand both coverage and bandwidth as information processing is done locally instead of cloud based or remote DCs</a:t>
+            </a:r>
+            <a:r>
+              <a:rPr lang="en-US" dirty="0"/>
+              <a:t> </a:t>
+            </a:r>
+          </a:p>
+          <a:p>
+            <a:r>
+              <a:rPr lang="en-US" sz="1800" b="0" i="0" dirty="0">
+                <a:solidFill>
+                  <a:srgbClr val="000000"/>
+                </a:solidFill>
+                <a:effectLst/>
+                <a:latin typeface="TimesNewRomanPSMT"/>
+              </a:rPr>
+              <a:t>MEC based Open RAN enables certain CN functions/ CN VNFs to be executed at the edge isolated from other parts of network to provide local access to resources and data. </a:t>
+            </a:r>
+            <a:br>
+              <a:rPr lang="en-US" dirty="0"/>
+            </a:br>
+            <a:br>
+              <a:rPr lang="en-US" dirty="0"/>
+            </a:br>
+            <a:endParaRPr lang="en-US" dirty="0"/>
+          </a:p>
+        </p:txBody>
+      </p:sp>
+      <p:sp>
+        <p:nvSpPr>
+          <p:cNvPr id="4" name="Slide Number Placeholder 3">
+            <a:extLst>
+              <a:ext uri="{FF2B5EF4-FFF2-40B4-BE49-F238E27FC236}">
+                <a16:creationId xmlns:a16="http://schemas.microsoft.com/office/drawing/2014/main" id="{FA3F3193-7CB8-4460-93A8-34D5A00176F5}"/>
+              </a:ext>
+            </a:extLst>
+          </p:cNvPr>
+          <p:cNvSpPr>
+            <a:spLocks noGrp="1"/>
+          </p:cNvSpPr>
+          <p:nvPr>
+            <p:ph type="sldNum" sz="quarter" idx="12"/>
+          </p:nvPr>
+        </p:nvSpPr>
+        <p:spPr/>
+        <p:txBody>
+          <a:bodyPr/>
+          <a:lstStyle/>
+          <a:p>
+            <a:fld id="{578025A5-B869-46FF-95AC-69EC79E0F0A5}" type="slidenum">
+              <a:rPr lang="en-US" smtClean="0"/>
+              <a:pPr/>
+              <a:t>18</a:t>
+            </a:fld>
+            <a:endParaRPr lang="en-US" dirty="0">
+              <a:latin typeface="Times New Roman" panose="02020603050405020304" pitchFamily="18" charset="0"/>
+              <a:cs typeface="Times New Roman" panose="02020603050405020304" pitchFamily="18" charset="0"/>
+            </a:endParaRPr>
+          </a:p>
+        </p:txBody>
+      </p:sp>
+    </p:spTree>
+    <p:extLst>
+      <p:ext uri="{BB962C8B-B14F-4D97-AF65-F5344CB8AC3E}">
+        <p14:creationId xmlns:p14="http://schemas.microsoft.com/office/powerpoint/2010/main" val="3075813764"/>
+      </p:ext>
+    </p:extLst>
+  </p:cSld>
+  <p:clrMapOvr>
+    <a:masterClrMapping/>
+  </p:clrMapOvr>
+</p:sld>
+</file>
+
+<file path=ppt/slides/slide19.xml><?xml version="1.0" encoding="utf-8"?>
+<p:sld xmlns:a="http://schemas.openxmlformats.org/drawingml/2006/main" xmlns:r="http://schemas.openxmlformats.org/officeDocument/2006/relationships" xmlns:p="http://schemas.openxmlformats.org/presentationml/2006/main">
+  <p:cSld>
+    <p:spTree>
+      <p:nvGrpSpPr>
+        <p:cNvPr id="1" name=""/>
+        <p:cNvGrpSpPr/>
+        <p:nvPr/>
+      </p:nvGrpSpPr>
+      <p:grpSpPr>
+        <a:xfrm>
+          <a:off x="0" y="0"/>
+          <a:ext cx="0" cy="0"/>
+          <a:chOff x="0" y="0"/>
+          <a:chExt cx="0" cy="0"/>
+        </a:xfrm>
+      </p:grpSpPr>
+      <p:sp>
+        <p:nvSpPr>
+          <p:cNvPr id="2" name="Slide Number Placeholder 1">
+            <a:extLst>
+              <a:ext uri="{FF2B5EF4-FFF2-40B4-BE49-F238E27FC236}">
+                <a16:creationId xmlns:a16="http://schemas.microsoft.com/office/drawing/2014/main" id="{23E05325-126F-48BD-BCB4-6133D6E77C10}"/>
+              </a:ext>
+            </a:extLst>
+          </p:cNvPr>
+          <p:cNvSpPr>
+            <a:spLocks noGrp="1"/>
+          </p:cNvSpPr>
+          <p:nvPr>
+            <p:ph type="sldNum" sz="quarter" idx="12"/>
+          </p:nvPr>
+        </p:nvSpPr>
+        <p:spPr/>
+        <p:txBody>
+          <a:bodyPr/>
+          <a:lstStyle/>
+          <a:p>
+            <a:fld id="{578025A5-B869-46FF-95AC-69EC79E0F0A5}" type="slidenum">
+              <a:rPr lang="en-US" smtClean="0"/>
+              <a:t>19</a:t>
+            </a:fld>
+            <a:endParaRPr lang="en-US"/>
+          </a:p>
+        </p:txBody>
+      </p:sp>
+      <p:pic>
+        <p:nvPicPr>
+          <p:cNvPr id="3" name="Picture 2">
+            <a:extLst>
+              <a:ext uri="{FF2B5EF4-FFF2-40B4-BE49-F238E27FC236}">
+                <a16:creationId xmlns:a16="http://schemas.microsoft.com/office/drawing/2014/main" id="{54A9D17C-435E-4734-B48E-61D58C0C7B37}"/>
+              </a:ext>
+            </a:extLst>
+          </p:cNvPr>
+          <p:cNvPicPr>
+            <a:picLocks noChangeAspect="1"/>
+          </p:cNvPicPr>
+          <p:nvPr/>
+        </p:nvPicPr>
+        <p:blipFill>
+          <a:blip r:embed="rId2"/>
+          <a:stretch>
+            <a:fillRect/>
+          </a:stretch>
+        </p:blipFill>
+        <p:spPr>
+          <a:xfrm>
+            <a:off x="351289" y="1183341"/>
+            <a:ext cx="10201836" cy="5674659"/>
+          </a:xfrm>
+          <a:prstGeom prst="rect">
+            <a:avLst/>
+          </a:prstGeom>
+        </p:spPr>
+      </p:pic>
+    </p:spTree>
+    <p:extLst>
+      <p:ext uri="{BB962C8B-B14F-4D97-AF65-F5344CB8AC3E}">
+        <p14:creationId xmlns:p14="http://schemas.microsoft.com/office/powerpoint/2010/main" val="3269498409"/>
       </p:ext>
     </p:extLst>
   </p:cSld>
@@ -14257,6 +15140,95 @@
     <p:extLst>
       <p:ext uri="{BB962C8B-B14F-4D97-AF65-F5344CB8AC3E}">
         <p14:creationId xmlns:p14="http://schemas.microsoft.com/office/powerpoint/2010/main" val="839468256"/>
+      </p:ext>
+    </p:extLst>
+  </p:cSld>
+  <p:clrMapOvr>
+    <a:masterClrMapping/>
+  </p:clrMapOvr>
+</p:sld>
+</file>
+
+<file path=ppt/slides/slide20.xml><?xml version="1.0" encoding="utf-8"?>
+<p:sld xmlns:a="http://schemas.openxmlformats.org/drawingml/2006/main" xmlns:r="http://schemas.openxmlformats.org/officeDocument/2006/relationships" xmlns:p="http://schemas.openxmlformats.org/presentationml/2006/main">
+  <p:cSld>
+    <p:spTree>
+      <p:nvGrpSpPr>
+        <p:cNvPr id="1" name=""/>
+        <p:cNvGrpSpPr/>
+        <p:nvPr/>
+      </p:nvGrpSpPr>
+      <p:grpSpPr>
+        <a:xfrm>
+          <a:off x="0" y="0"/>
+          <a:ext cx="0" cy="0"/>
+          <a:chOff x="0" y="0"/>
+          <a:chExt cx="0" cy="0"/>
+        </a:xfrm>
+      </p:grpSpPr>
+      <p:sp>
+        <p:nvSpPr>
+          <p:cNvPr id="2" name="Slide Number Placeholder 1">
+            <a:extLst>
+              <a:ext uri="{FF2B5EF4-FFF2-40B4-BE49-F238E27FC236}">
+                <a16:creationId xmlns:a16="http://schemas.microsoft.com/office/drawing/2014/main" id="{BF263B47-06D3-4EE1-B95B-02AD3BE091DD}"/>
+              </a:ext>
+            </a:extLst>
+          </p:cNvPr>
+          <p:cNvSpPr>
+            <a:spLocks noGrp="1"/>
+          </p:cNvSpPr>
+          <p:nvPr>
+            <p:ph type="sldNum" sz="quarter" idx="12"/>
+          </p:nvPr>
+        </p:nvSpPr>
+        <p:spPr/>
+        <p:txBody>
+          <a:bodyPr/>
+          <a:lstStyle/>
+          <a:p>
+            <a:fld id="{578025A5-B869-46FF-95AC-69EC79E0F0A5}" type="slidenum">
+              <a:rPr lang="en-US" smtClean="0"/>
+              <a:t>20</a:t>
+            </a:fld>
+            <a:endParaRPr lang="en-US"/>
+          </a:p>
+        </p:txBody>
+      </p:sp>
+      <p:pic>
+        <p:nvPicPr>
+          <p:cNvPr id="3" name="Picture 2">
+            <a:extLst>
+              <a:ext uri="{FF2B5EF4-FFF2-40B4-BE49-F238E27FC236}">
+                <a16:creationId xmlns:a16="http://schemas.microsoft.com/office/drawing/2014/main" id="{AB180AA8-B748-46CB-BFB8-9C45943E70DB}"/>
+              </a:ext>
+            </a:extLst>
+          </p:cNvPr>
+          <p:cNvPicPr>
+            <a:picLocks noChangeAspect="1"/>
+          </p:cNvPicPr>
+          <p:nvPr/>
+        </p:nvPicPr>
+        <p:blipFill>
+          <a:blip r:embed="rId2"/>
+          <a:stretch>
+            <a:fillRect/>
+          </a:stretch>
+        </p:blipFill>
+        <p:spPr>
+          <a:xfrm>
+            <a:off x="2085975" y="866775"/>
+            <a:ext cx="8020050" cy="5124450"/>
+          </a:xfrm>
+          <a:prstGeom prst="rect">
+            <a:avLst/>
+          </a:prstGeom>
+        </p:spPr>
+      </p:pic>
+    </p:spTree>
+    <p:extLst>
+      <p:ext uri="{BB962C8B-B14F-4D97-AF65-F5344CB8AC3E}">
+        <p14:creationId xmlns:p14="http://schemas.microsoft.com/office/powerpoint/2010/main" val="2660797807"/>
       </p:ext>
     </p:extLst>
   </p:cSld>
@@ -14507,7 +15479,7 @@
         </p:nvSpPr>
         <p:spPr>
           <a:xfrm>
-            <a:off x="966652" y="862148"/>
+            <a:off x="1001261" y="862148"/>
             <a:ext cx="8975841" cy="1001363"/>
           </a:xfrm>
         </p:spPr>
@@ -14516,33 +15488,9 @@
           <a:lstStyle/>
           <a:p>
             <a:r>
-              <a:rPr lang="en-US" sz="3200" dirty="0" err="1"/>
-              <a:t>iRAF</a:t>
+              <a:rPr lang="en-US" sz="3200" dirty="0"/>
+              <a:t>Collaborative Mobile Edge Computing </a:t>
             </a:r>
-            <a:r>
-              <a:rPr lang="en-US" sz="3200" dirty="0"/>
-              <a:t>: a Deep Reinforcement </a:t>
-            </a:r>
-            <a:r>
-              <a:rPr lang="en-US" sz="3200" dirty="0" smtClean="0"/>
-              <a:t>Learning Approach for Collaborative Mobile Edge Computing </a:t>
-            </a:r>
-            <a:r>
-              <a:rPr lang="en-US" sz="3200" dirty="0" err="1" smtClean="0"/>
-              <a:t>IoT</a:t>
-            </a:r>
-            <a:r>
-              <a:rPr lang="en-US" sz="3200" dirty="0" smtClean="0"/>
-              <a:t> Networks </a:t>
-            </a:r>
-            <a:r>
-              <a:rPr lang="en-US" sz="3200" dirty="0"/>
-              <a:t/>
-            </a:r>
-            <a:br>
-              <a:rPr lang="en-US" sz="3200" dirty="0"/>
-            </a:br>
-            <a:endParaRPr lang="en-US" sz="3200" dirty="0"/>
           </a:p>
         </p:txBody>
       </p:sp>
@@ -14593,13 +15541,8 @@
           <a:p>
             <a:r>
               <a:rPr lang="en-US" dirty="0"/>
-              <a:t>Collaborative Mobile Edge Computing</a:t>
+              <a:t>Collaborative Mobile Edge Computing </a:t>
             </a:r>
-            <a:r>
-              <a:rPr lang="en-US" dirty="0" smtClean="0"/>
-              <a:t> </a:t>
-            </a:r>
-            <a:endParaRPr lang="en-US" dirty="0"/>
           </a:p>
         </p:txBody>
       </p:sp>
@@ -14635,113 +15578,47 @@
             </a:r>
             <a:r>
               <a:rPr lang="en-US" dirty="0"/>
-              <a:t> network model over </a:t>
+              <a:t> network model over fiber-wireless connection as shown in Fig. </a:t>
             </a:r>
-            <a:r>
-              <a:rPr lang="en-US" dirty="0" smtClean="0"/>
-              <a:t>fiber-wireless connection </a:t>
-            </a:r>
+          </a:p>
+          <a:p>
             <a:r>
               <a:rPr lang="en-US" dirty="0"/>
-              <a:t>as shown in Fig. </a:t>
-            </a:r>
-            <a:endParaRPr lang="en-US" dirty="0" smtClean="0"/>
-          </a:p>
-          <a:p>
-            <a:r>
-              <a:rPr lang="en-US" dirty="0" smtClean="0"/>
               <a:t>The </a:t>
             </a:r>
             <a:r>
-              <a:rPr lang="en-US" dirty="0" err="1" smtClean="0"/>
+              <a:rPr lang="en-US" dirty="0" err="1"/>
               <a:t>CoMEC</a:t>
             </a:r>
             <a:r>
               <a:rPr lang="en-US" dirty="0"/>
-              <a:t> </a:t>
+              <a:t> system consists of a set of collaborative edge servers connected through a fiber switch in a homogeneous network.</a:t>
             </a:r>
-            <a:r>
-              <a:rPr lang="en-US" dirty="0" smtClean="0"/>
-              <a:t>system </a:t>
-            </a:r>
+          </a:p>
+          <a:p>
             <a:r>
               <a:rPr lang="en-US" dirty="0"/>
-              <a:t>consists of a set of collaborative edge servers </a:t>
+              <a:t>The optical backbone network connects to the cloud server center thousands of miles away. </a:t>
             </a:r>
-            <a:r>
-              <a:rPr lang="en-US" dirty="0" smtClean="0"/>
-              <a:t>connected </a:t>
-            </a:r>
+          </a:p>
+          <a:p>
             <a:r>
               <a:rPr lang="en-US" dirty="0"/>
-              <a:t>through a fiber switch in a homogeneous network</a:t>
-            </a:r>
-            <a:r>
-              <a:rPr lang="en-US" dirty="0" smtClean="0"/>
-              <a:t>.</a:t>
-            </a:r>
-          </a:p>
-          <a:p>
-            <a:r>
-              <a:rPr lang="en-US" dirty="0" smtClean="0"/>
-              <a:t>The optical </a:t>
-            </a:r>
-            <a:r>
-              <a:rPr lang="en-US" dirty="0"/>
-              <a:t>backbone network connects to the </a:t>
-            </a:r>
-            <a:r>
-              <a:rPr lang="en-US" dirty="0" smtClean="0"/>
-              <a:t>cloud server center thousands </a:t>
-            </a:r>
-            <a:r>
-              <a:rPr lang="en-US" dirty="0"/>
-              <a:t>of miles away. </a:t>
-            </a:r>
-            <a:endParaRPr lang="en-US" dirty="0" smtClean="0"/>
-          </a:p>
-          <a:p>
-            <a:r>
-              <a:rPr lang="en-US" dirty="0" smtClean="0"/>
-              <a:t>To </a:t>
-            </a:r>
-            <a:r>
-              <a:rPr lang="en-US" dirty="0"/>
-              <a:t>distinguish the edge server receiving the task from the collaborative edge servers, we </a:t>
-            </a:r>
-            <a:r>
-              <a:rPr lang="en-US" dirty="0" smtClean="0"/>
-              <a:t>denote a </a:t>
-            </a:r>
-            <a:r>
-              <a:rPr lang="en-US" dirty="0"/>
-              <a:t>task requesting edge server as </a:t>
+              <a:t>To distinguish the edge server receiving the task from the collaborative edge servers, we denote a task requesting edge server as </a:t>
             </a:r>
             <a:r>
               <a:rPr lang="en-US" i="1" dirty="0"/>
               <a:t>e</a:t>
             </a:r>
             <a:r>
-              <a:rPr lang="en-US" dirty="0" smtClean="0"/>
+              <a:rPr lang="en-US" dirty="0"/>
               <a:t>.</a:t>
             </a:r>
           </a:p>
           <a:p>
             <a:r>
-              <a:rPr lang="en-US" dirty="0" smtClean="0"/>
-              <a:t> </a:t>
-            </a:r>
-            <a:r>
               <a:rPr lang="en-US" dirty="0"/>
-              <a:t>The other </a:t>
-            </a:r>
-            <a:r>
-              <a:rPr lang="en-US" dirty="0" smtClean="0"/>
-              <a:t>collaborative edge </a:t>
-            </a:r>
-            <a:r>
-              <a:rPr lang="en-US" dirty="0"/>
-              <a:t>servers have the same priority and function as the task</a:t>
+              <a:t> The other collaborative edge servers have the same priority and function as the task</a:t>
             </a:r>
             <a:br>
               <a:rPr lang="en-US" dirty="0"/>
@@ -14758,28 +15635,11 @@
               <a:rPr lang="en-US" dirty="0"/>
               <a:t>. </a:t>
             </a:r>
-            <a:endParaRPr lang="en-US" dirty="0" smtClean="0"/>
-          </a:p>
-          <a:p>
-            <a:r>
-              <a:rPr lang="en-US" dirty="0" smtClean="0"/>
-              <a:t>Each </a:t>
-            </a:r>
+          </a:p>
+          <a:p>
             <a:r>
               <a:rPr lang="en-US" dirty="0"/>
-              <a:t>edge server can serve multiple </a:t>
-            </a:r>
-            <a:r>
-              <a:rPr lang="en-US" dirty="0" smtClean="0"/>
-              <a:t>UEs through </a:t>
-            </a:r>
-            <a:r>
-              <a:rPr lang="en-US" dirty="0"/>
-              <a:t>base stations (BSs).</a:t>
-            </a:r>
-            <a:r>
-              <a:rPr lang="en-US" dirty="0"/>
-              <a:t> </a:t>
+              <a:t>Each edge server can serve multiple UEs through base stations (BSs). </a:t>
             </a:r>
             <a:br>
               <a:rPr lang="en-US" dirty="0"/>
@@ -14867,13 +15727,8 @@
           <a:p>
             <a:r>
               <a:rPr lang="en-US" dirty="0"/>
-              <a:t>Deep Reinforcement Learning Based Mobile Edge Computing for Intelligent Internet </a:t>
+              <a:t>Deep Reinforcement Learning Based Mobile Edge Computing for Intelligent Internet of Things </a:t>
             </a:r>
-            <a:r>
-              <a:rPr lang="en-US" dirty="0" smtClean="0"/>
-              <a:t>of Things </a:t>
-            </a:r>
-            <a:endParaRPr lang="en-US" dirty="0"/>
           </a:p>
         </p:txBody>
       </p:sp>
@@ -15005,39 +15860,19 @@
             </a:r>
             <a:r>
               <a:rPr lang="en-US" dirty="0"/>
-              <a:t>, where multiple users have </a:t>
+              <a:t>, where multiple users have some computational tasks assisted by multiple computational access points (CAPs)</a:t>
             </a:r>
-            <a:r>
-              <a:rPr lang="en-US" dirty="0" smtClean="0"/>
-              <a:t>some computational </a:t>
-            </a:r>
+          </a:p>
+          <a:p>
             <a:r>
               <a:rPr lang="en-US" dirty="0"/>
-              <a:t>tasks assisted by multiple computational access points (CAPs</a:t>
-            </a:r>
-            <a:r>
-              <a:rPr lang="en-US" dirty="0" smtClean="0"/>
-              <a:t>)</a:t>
+              <a:t>By offloading some tasks to the CAPs, the system performance can be improved through reducing the latency and energy consumption, which are the two important metrics of interest in the MEC networks.</a:t>
             </a:r>
           </a:p>
           <a:p>
             <a:r>
               <a:rPr lang="en-US" dirty="0"/>
-              <a:t>By offloading some tasks to the CAPs, the system performance can be improved through reducing the latency and energy consumption, which are the two important metrics of interest in the MEC networks</a:t>
-            </a:r>
-            <a:r>
-              <a:rPr lang="en-US" dirty="0" smtClean="0"/>
-              <a:t>.</a:t>
-            </a:r>
-          </a:p>
-          <a:p>
-            <a:r>
-              <a:rPr lang="en-US" dirty="0"/>
-              <a:t>We devise the system by proposing the offloading strategy intelligently through the deep reinforcement learning </a:t>
-            </a:r>
-            <a:r>
-              <a:rPr lang="en-US" dirty="0" smtClean="0"/>
-              <a:t>algorithm</a:t>
+              <a:t>We devise the system by proposing the offloading strategy intelligently through the deep reinforcement learning algorithm</a:t>
             </a:r>
           </a:p>
           <a:p>
@@ -15122,13 +15957,8 @@
           <a:p>
             <a:r>
               <a:rPr lang="en-US" dirty="0"/>
-              <a:t>MEC and O-RAN </a:t>
+              <a:t>MEC and O-RAN Integration</a:t>
             </a:r>
-            <a:r>
-              <a:rPr lang="en-US" dirty="0" smtClean="0"/>
-              <a:t>Integration</a:t>
-            </a:r>
-            <a:endParaRPr lang="en-US" dirty="0"/>
           </a:p>
         </p:txBody>
       </p:sp>
@@ -15148,12 +15978,8 @@
           <a:lstStyle/>
           <a:p>
             <a:r>
-              <a:rPr lang="en-US" dirty="0" smtClean="0"/>
-              <a:t>MEC </a:t>
-            </a:r>
-            <a:r>
               <a:rPr lang="en-US" dirty="0"/>
-              <a:t>hosts can be combined with the near-RT RIC hosts of O-RAN, and the MEC-based control plane services can be just O-RAN services (data plane services cannot be deployed that way). MEC databases (about UE locations, cell performance, Radio Network Information Service (RNIS)) can be integrated with O-RAN databases; the Mobile Edge Application Orchestrator (MEAO) can be used for </a:t>
+              <a:t>MEC hosts can be combined with the near-RT RIC hosts of O-RAN, and the MEC-based control plane services can be just O-RAN services (data plane services cannot be deployed that way). MEC databases (about UE locations, cell performance, Radio Network Information Service (RNIS)) can be integrated with O-RAN databases; the Mobile Edge Application Orchestrator (MEAO) can be used for </a:t>
             </a:r>
             <a:r>
               <a:rPr lang="en-US" dirty="0" err="1"/>
@@ -15240,13 +16066,8 @@
           <a:p>
             <a:r>
               <a:rPr lang="en-US" dirty="0"/>
-              <a:t>NS and MEC/O-RAN </a:t>
+              <a:t>NS and MEC/O-RAN Integration</a:t>
             </a:r>
-            <a:r>
-              <a:rPr lang="en-US" dirty="0" smtClean="0"/>
-              <a:t>Integration</a:t>
-            </a:r>
-            <a:endParaRPr lang="en-US" dirty="0"/>
           </a:p>
         </p:txBody>
       </p:sp>
@@ -15266,12 +16087,8 @@
           <a:lstStyle/>
           <a:p>
             <a:r>
-              <a:rPr lang="en-US" dirty="0" smtClean="0"/>
-              <a:t>The </a:t>
-            </a:r>
-            <a:r>
               <a:rPr lang="en-US" dirty="0"/>
-              <a:t>support of NS is an ongoing technical spec task group effort in O-RAN. It impacts O-RAN in several ways: (</a:t>
+              <a:t>The support of NS is an ongoing technical spec task group effort in O-RAN. It impacts O-RAN in several ways: (</a:t>
             </a:r>
             <a:r>
               <a:rPr lang="en-US" dirty="0" err="1"/>
